--- a/Doc/Task/flow.pptx
+++ b/Doc/Task/flow.pptx
@@ -288,6 +288,7 @@
           <a:p>
             <a:fld id="{FB2F3D79-3622-487B-A6A8-0636C00987DD}" type="datetimeFigureOut">
               <a:rPr lang="en-US" smtClean="0"/>
+              <a:pPr/>
               <a:t>12/15/2015</a:t>
             </a:fld>
             <a:endParaRPr lang="en-GB"/>
@@ -330,6 +331,7 @@
           <a:p>
             <a:fld id="{C7B096B4-158E-48DD-8B9A-4CAAD122089F}" type="slidenum">
               <a:rPr lang="en-GB" smtClean="0"/>
+              <a:pPr/>
               <a:t>‹#›</a:t>
             </a:fld>
             <a:endParaRPr lang="en-GB"/>
@@ -453,6 +455,7 @@
           <a:p>
             <a:fld id="{FB2F3D79-3622-487B-A6A8-0636C00987DD}" type="datetimeFigureOut">
               <a:rPr lang="en-US" smtClean="0"/>
+              <a:pPr/>
               <a:t>12/15/2015</a:t>
             </a:fld>
             <a:endParaRPr lang="en-GB"/>
@@ -495,6 +498,7 @@
           <a:p>
             <a:fld id="{C7B096B4-158E-48DD-8B9A-4CAAD122089F}" type="slidenum">
               <a:rPr lang="en-GB" smtClean="0"/>
+              <a:pPr/>
               <a:t>‹#›</a:t>
             </a:fld>
             <a:endParaRPr lang="en-GB"/>
@@ -628,6 +632,7 @@
           <a:p>
             <a:fld id="{FB2F3D79-3622-487B-A6A8-0636C00987DD}" type="datetimeFigureOut">
               <a:rPr lang="en-US" smtClean="0"/>
+              <a:pPr/>
               <a:t>12/15/2015</a:t>
             </a:fld>
             <a:endParaRPr lang="en-GB"/>
@@ -670,6 +675,7 @@
           <a:p>
             <a:fld id="{C7B096B4-158E-48DD-8B9A-4CAAD122089F}" type="slidenum">
               <a:rPr lang="en-GB" smtClean="0"/>
+              <a:pPr/>
               <a:t>‹#›</a:t>
             </a:fld>
             <a:endParaRPr lang="en-GB"/>
@@ -793,6 +799,7 @@
           <a:p>
             <a:fld id="{FB2F3D79-3622-487B-A6A8-0636C00987DD}" type="datetimeFigureOut">
               <a:rPr lang="en-US" smtClean="0"/>
+              <a:pPr/>
               <a:t>12/15/2015</a:t>
             </a:fld>
             <a:endParaRPr lang="en-GB"/>
@@ -835,6 +842,7 @@
           <a:p>
             <a:fld id="{C7B096B4-158E-48DD-8B9A-4CAAD122089F}" type="slidenum">
               <a:rPr lang="en-GB" smtClean="0"/>
+              <a:pPr/>
               <a:t>‹#›</a:t>
             </a:fld>
             <a:endParaRPr lang="en-GB"/>
@@ -1034,6 +1042,7 @@
           <a:p>
             <a:fld id="{FB2F3D79-3622-487B-A6A8-0636C00987DD}" type="datetimeFigureOut">
               <a:rPr lang="en-US" smtClean="0"/>
+              <a:pPr/>
               <a:t>12/15/2015</a:t>
             </a:fld>
             <a:endParaRPr lang="en-GB"/>
@@ -1076,6 +1085,7 @@
           <a:p>
             <a:fld id="{C7B096B4-158E-48DD-8B9A-4CAAD122089F}" type="slidenum">
               <a:rPr lang="en-GB" smtClean="0"/>
+              <a:pPr/>
               <a:t>‹#›</a:t>
             </a:fld>
             <a:endParaRPr lang="en-GB"/>
@@ -1317,6 +1327,7 @@
           <a:p>
             <a:fld id="{FB2F3D79-3622-487B-A6A8-0636C00987DD}" type="datetimeFigureOut">
               <a:rPr lang="en-US" smtClean="0"/>
+              <a:pPr/>
               <a:t>12/15/2015</a:t>
             </a:fld>
             <a:endParaRPr lang="en-GB"/>
@@ -1359,6 +1370,7 @@
           <a:p>
             <a:fld id="{C7B096B4-158E-48DD-8B9A-4CAAD122089F}" type="slidenum">
               <a:rPr lang="en-GB" smtClean="0"/>
+              <a:pPr/>
               <a:t>‹#›</a:t>
             </a:fld>
             <a:endParaRPr lang="en-GB"/>
@@ -1734,6 +1746,7 @@
           <a:p>
             <a:fld id="{FB2F3D79-3622-487B-A6A8-0636C00987DD}" type="datetimeFigureOut">
               <a:rPr lang="en-US" smtClean="0"/>
+              <a:pPr/>
               <a:t>12/15/2015</a:t>
             </a:fld>
             <a:endParaRPr lang="en-GB"/>
@@ -1776,6 +1789,7 @@
           <a:p>
             <a:fld id="{C7B096B4-158E-48DD-8B9A-4CAAD122089F}" type="slidenum">
               <a:rPr lang="en-GB" smtClean="0"/>
+              <a:pPr/>
               <a:t>‹#›</a:t>
             </a:fld>
             <a:endParaRPr lang="en-GB"/>
@@ -1847,6 +1861,7 @@
           <a:p>
             <a:fld id="{FB2F3D79-3622-487B-A6A8-0636C00987DD}" type="datetimeFigureOut">
               <a:rPr lang="en-US" smtClean="0"/>
+              <a:pPr/>
               <a:t>12/15/2015</a:t>
             </a:fld>
             <a:endParaRPr lang="en-GB"/>
@@ -1889,6 +1904,7 @@
           <a:p>
             <a:fld id="{C7B096B4-158E-48DD-8B9A-4CAAD122089F}" type="slidenum">
               <a:rPr lang="en-GB" smtClean="0"/>
+              <a:pPr/>
               <a:t>‹#›</a:t>
             </a:fld>
             <a:endParaRPr lang="en-GB"/>
@@ -1937,6 +1953,7 @@
           <a:p>
             <a:fld id="{FB2F3D79-3622-487B-A6A8-0636C00987DD}" type="datetimeFigureOut">
               <a:rPr lang="en-US" smtClean="0"/>
+              <a:pPr/>
               <a:t>12/15/2015</a:t>
             </a:fld>
             <a:endParaRPr lang="en-GB"/>
@@ -1979,6 +1996,7 @@
           <a:p>
             <a:fld id="{C7B096B4-158E-48DD-8B9A-4CAAD122089F}" type="slidenum">
               <a:rPr lang="en-GB" smtClean="0"/>
+              <a:pPr/>
               <a:t>‹#›</a:t>
             </a:fld>
             <a:endParaRPr lang="en-GB"/>
@@ -2209,6 +2227,7 @@
           <a:p>
             <a:fld id="{FB2F3D79-3622-487B-A6A8-0636C00987DD}" type="datetimeFigureOut">
               <a:rPr lang="en-US" smtClean="0"/>
+              <a:pPr/>
               <a:t>12/15/2015</a:t>
             </a:fld>
             <a:endParaRPr lang="en-GB"/>
@@ -2251,6 +2270,7 @@
           <a:p>
             <a:fld id="{C7B096B4-158E-48DD-8B9A-4CAAD122089F}" type="slidenum">
               <a:rPr lang="en-GB" smtClean="0"/>
+              <a:pPr/>
               <a:t>‹#›</a:t>
             </a:fld>
             <a:endParaRPr lang="en-GB"/>
@@ -2457,6 +2477,7 @@
           <a:p>
             <a:fld id="{FB2F3D79-3622-487B-A6A8-0636C00987DD}" type="datetimeFigureOut">
               <a:rPr lang="en-US" smtClean="0"/>
+              <a:pPr/>
               <a:t>12/15/2015</a:t>
             </a:fld>
             <a:endParaRPr lang="en-GB"/>
@@ -2499,6 +2520,7 @@
           <a:p>
             <a:fld id="{C7B096B4-158E-48DD-8B9A-4CAAD122089F}" type="slidenum">
               <a:rPr lang="en-GB" smtClean="0"/>
+              <a:pPr/>
               <a:t>‹#›</a:t>
             </a:fld>
             <a:endParaRPr lang="en-GB"/>
@@ -2665,6 +2687,7 @@
           <a:p>
             <a:fld id="{FB2F3D79-3622-487B-A6A8-0636C00987DD}" type="datetimeFigureOut">
               <a:rPr lang="en-US" smtClean="0"/>
+              <a:pPr/>
               <a:t>12/15/2015</a:t>
             </a:fld>
             <a:endParaRPr lang="en-GB"/>
@@ -2743,6 +2766,7 @@
           <a:p>
             <a:fld id="{C7B096B4-158E-48DD-8B9A-4CAAD122089F}" type="slidenum">
               <a:rPr lang="en-GB" smtClean="0"/>
+              <a:pPr/>
               <a:t>‹#›</a:t>
             </a:fld>
             <a:endParaRPr lang="en-GB"/>
@@ -6733,23 +6757,7 @@
                   <a:schemeClr val="tx1"/>
                 </a:solidFill>
               </a:rPr>
-              <a:t>Pop task from </a:t>
-            </a:r>
-            <a:r>
-              <a:rPr lang="en-GB" sz="900" dirty="0" smtClean="0">
-                <a:solidFill>
-                  <a:schemeClr val="tx1"/>
-                </a:solidFill>
-              </a:rPr>
-              <a:t>post-execute </a:t>
-            </a:r>
-            <a:r>
-              <a:rPr lang="en-GB" sz="900" dirty="0" smtClean="0">
-                <a:solidFill>
-                  <a:schemeClr val="tx1"/>
-                </a:solidFill>
-              </a:rPr>
-              <a:t>queue</a:t>
+              <a:t>Pop task from post-execute queue</a:t>
             </a:r>
             <a:endParaRPr lang="en-GB" sz="900" dirty="0">
               <a:solidFill>
@@ -7239,7 +7247,7 @@
         </p:nvSpPr>
         <p:spPr>
           <a:xfrm>
-            <a:off x="3362264" y="13949360"/>
+            <a:off x="3362264" y="14130336"/>
             <a:ext cx="1435103" cy="538164"/>
           </a:xfrm>
           <a:prstGeom prst="flowChartProcess">
@@ -7323,7 +7331,7 @@
         </p:nvCxnSpPr>
         <p:spPr>
           <a:xfrm>
-            <a:off x="2441504" y="14216854"/>
+            <a:off x="2441504" y="14397830"/>
             <a:ext cx="920760" cy="1588"/>
           </a:xfrm>
           <a:prstGeom prst="straightConnector1">
@@ -7362,7 +7370,7 @@
         </p:nvSpPr>
         <p:spPr>
           <a:xfrm>
-            <a:off x="2695411" y="13933451"/>
+            <a:off x="2695411" y="14114427"/>
             <a:ext cx="366711" cy="468349"/>
           </a:xfrm>
           <a:prstGeom prst="flowChartProcess">
@@ -7417,7 +7425,7 @@
         </p:nvSpPr>
         <p:spPr>
           <a:xfrm>
-            <a:off x="647624" y="13768384"/>
+            <a:off x="647624" y="13949360"/>
             <a:ext cx="1793880" cy="896940"/>
           </a:xfrm>
           <a:prstGeom prst="flowChartDecision">
@@ -7500,7 +7508,7 @@
         </p:nvCxnSpPr>
         <p:spPr>
           <a:xfrm>
-            <a:off x="4797367" y="14218442"/>
+            <a:off x="4797367" y="14399418"/>
             <a:ext cx="646121" cy="1588"/>
           </a:xfrm>
           <a:prstGeom prst="straightConnector1">
@@ -7539,7 +7547,7 @@
         </p:nvSpPr>
         <p:spPr>
           <a:xfrm>
-            <a:off x="6257880" y="13768384"/>
+            <a:off x="6257880" y="13949360"/>
             <a:ext cx="1793880" cy="896940"/>
           </a:xfrm>
           <a:prstGeom prst="flowChartDecision">
@@ -7624,7 +7632,7 @@
         </p:nvSpPr>
         <p:spPr>
           <a:xfrm>
-            <a:off x="3362264" y="15306680"/>
+            <a:off x="3362264" y="15487656"/>
             <a:ext cx="1435104" cy="538164"/>
           </a:xfrm>
           <a:prstGeom prst="flowChartProcess">
@@ -7708,7 +7716,7 @@
         </p:nvCxnSpPr>
         <p:spPr>
           <a:xfrm rot="10800000">
-            <a:off x="4797368" y="15575762"/>
+            <a:off x="4797368" y="15756738"/>
             <a:ext cx="2274904" cy="1588"/>
           </a:xfrm>
           <a:prstGeom prst="straightConnector1">
@@ -7750,7 +7758,7 @@
         </p:nvCxnSpPr>
         <p:spPr>
           <a:xfrm rot="16200000" flipV="1">
-            <a:off x="6747227" y="15072917"/>
+            <a:off x="6747227" y="15253893"/>
             <a:ext cx="822332" cy="7146"/>
           </a:xfrm>
           <a:prstGeom prst="straightConnector1">
@@ -7792,7 +7800,7 @@
         </p:nvCxnSpPr>
         <p:spPr>
           <a:xfrm rot="16200000" flipH="1">
-            <a:off x="1136177" y="15073711"/>
+            <a:off x="1136177" y="15254687"/>
             <a:ext cx="823920" cy="7146"/>
           </a:xfrm>
           <a:prstGeom prst="straightConnector1">
@@ -7834,7 +7842,7 @@
         </p:nvCxnSpPr>
         <p:spPr>
           <a:xfrm flipV="1">
-            <a:off x="8051760" y="14175580"/>
+            <a:off x="8051760" y="14356556"/>
             <a:ext cx="975053" cy="41274"/>
           </a:xfrm>
           <a:prstGeom prst="straightConnector1">
@@ -7873,7 +7881,7 @@
         </p:nvSpPr>
         <p:spPr>
           <a:xfrm>
-            <a:off x="5443488" y="14130336"/>
+            <a:off x="5443488" y="14311312"/>
             <a:ext cx="179388" cy="179388"/>
           </a:xfrm>
           <a:prstGeom prst="flowChartConnector">
@@ -7928,7 +7936,7 @@
         </p:nvCxnSpPr>
         <p:spPr>
           <a:xfrm flipV="1">
-            <a:off x="5622876" y="14216854"/>
+            <a:off x="5622876" y="14397830"/>
             <a:ext cx="635004" cy="3176"/>
           </a:xfrm>
           <a:prstGeom prst="straightConnector1">
@@ -7967,7 +7975,7 @@
         </p:nvSpPr>
         <p:spPr>
           <a:xfrm>
-            <a:off x="6977025" y="14854240"/>
+            <a:off x="6977025" y="15035216"/>
             <a:ext cx="366711" cy="287373"/>
           </a:xfrm>
           <a:prstGeom prst="flowChartProcess">
@@ -8022,7 +8030,7 @@
         </p:nvSpPr>
         <p:spPr>
           <a:xfrm>
-            <a:off x="8334345" y="13949360"/>
+            <a:off x="8334345" y="14130336"/>
             <a:ext cx="366711" cy="468349"/>
           </a:xfrm>
           <a:prstGeom prst="flowChartProcess">
@@ -8084,7 +8092,7 @@
         </p:nvSpPr>
         <p:spPr>
           <a:xfrm>
-            <a:off x="1366769" y="14854240"/>
+            <a:off x="1366769" y="15035216"/>
             <a:ext cx="366711" cy="287373"/>
           </a:xfrm>
           <a:prstGeom prst="flowChartProcess">
@@ -8146,7 +8154,7 @@
         </p:nvSpPr>
         <p:spPr>
           <a:xfrm>
-            <a:off x="8882032" y="13949360"/>
+            <a:off x="8882032" y="14130336"/>
             <a:ext cx="1447808" cy="452440"/>
           </a:xfrm>
           <a:prstGeom prst="flowChartInputOutput">
@@ -8214,7 +8222,7 @@
         </p:nvCxnSpPr>
         <p:spPr>
           <a:xfrm rot="5400000">
-            <a:off x="6796838" y="13402462"/>
+            <a:off x="6796838" y="13583438"/>
             <a:ext cx="723904" cy="7940"/>
           </a:xfrm>
           <a:prstGeom prst="straightConnector1">
@@ -8253,7 +8261,7 @@
         </p:nvSpPr>
         <p:spPr>
           <a:xfrm>
-            <a:off x="13225456" y="13768384"/>
+            <a:off x="13225456" y="13949360"/>
             <a:ext cx="1793880" cy="896940"/>
           </a:xfrm>
           <a:prstGeom prst="flowChartDecision">
@@ -8322,7 +8330,7 @@
         </p:nvCxnSpPr>
         <p:spPr>
           <a:xfrm rot="16200000" flipH="1">
-            <a:off x="13488980" y="15298740"/>
+            <a:off x="13488980" y="15479716"/>
             <a:ext cx="1274772" cy="7940"/>
           </a:xfrm>
           <a:prstGeom prst="straightConnector1">
@@ -8361,7 +8369,7 @@
         </p:nvSpPr>
         <p:spPr>
           <a:xfrm>
-            <a:off x="13949360" y="15035216"/>
+            <a:off x="13949360" y="15216192"/>
             <a:ext cx="366711" cy="271465"/>
           </a:xfrm>
           <a:prstGeom prst="flowChartProcess">
@@ -8423,7 +8431,7 @@
         </p:nvSpPr>
         <p:spPr>
           <a:xfrm>
-            <a:off x="15487656" y="13949360"/>
+            <a:off x="15487656" y="14130336"/>
             <a:ext cx="1435103" cy="538164"/>
           </a:xfrm>
           <a:prstGeom prst="flowChartProcess">
@@ -8504,7 +8512,7 @@
         </p:nvSpPr>
         <p:spPr>
           <a:xfrm>
-            <a:off x="17387904" y="14949492"/>
+            <a:off x="17387904" y="15130468"/>
             <a:ext cx="1435104" cy="538164"/>
           </a:xfrm>
           <a:prstGeom prst="flowChartProcess">
@@ -8585,7 +8593,7 @@
         </p:nvSpPr>
         <p:spPr>
           <a:xfrm>
-            <a:off x="15487656" y="14944728"/>
+            <a:off x="15487656" y="15125704"/>
             <a:ext cx="1447808" cy="452440"/>
           </a:xfrm>
           <a:prstGeom prst="flowChartInputOutput">
@@ -8654,7 +8662,7 @@
         </p:nvCxnSpPr>
         <p:spPr>
           <a:xfrm>
-            <a:off x="15019336" y="14216854"/>
+            <a:off x="15019336" y="14397830"/>
             <a:ext cx="468320" cy="1588"/>
           </a:xfrm>
           <a:prstGeom prst="straightConnector1">
@@ -8696,7 +8704,7 @@
         </p:nvCxnSpPr>
         <p:spPr>
           <a:xfrm rot="16200000" flipH="1">
-            <a:off x="15979782" y="14712950"/>
+            <a:off x="15979782" y="14893926"/>
             <a:ext cx="457204" cy="6352"/>
           </a:xfrm>
           <a:prstGeom prst="straightConnector1">
@@ -8738,7 +8746,7 @@
         </p:nvCxnSpPr>
         <p:spPr>
           <a:xfrm>
-            <a:off x="16790683" y="15170948"/>
+            <a:off x="16790683" y="15351924"/>
             <a:ext cx="597221" cy="47626"/>
           </a:xfrm>
           <a:prstGeom prst="straightConnector1">
@@ -8780,7 +8788,7 @@
         </p:nvCxnSpPr>
         <p:spPr>
           <a:xfrm rot="5400000">
-            <a:off x="17200179" y="14038657"/>
+            <a:off x="17200179" y="14219633"/>
             <a:ext cx="1816112" cy="5558"/>
           </a:xfrm>
           <a:prstGeom prst="straightConnector1">
@@ -8822,7 +8830,7 @@
         </p:nvCxnSpPr>
         <p:spPr>
           <a:xfrm rot="5400000">
-            <a:off x="1312936" y="13528815"/>
+            <a:off x="1312936" y="13709791"/>
             <a:ext cx="471197" cy="7940"/>
           </a:xfrm>
           <a:prstGeom prst="straightConnector1">
@@ -8864,7 +8872,7 @@
         </p:nvCxnSpPr>
         <p:spPr>
           <a:xfrm>
-            <a:off x="10185059" y="14175580"/>
+            <a:off x="10185059" y="14356556"/>
             <a:ext cx="506733" cy="41274"/>
           </a:xfrm>
           <a:prstGeom prst="straightConnector1">
@@ -8903,7 +8911,7 @@
         </p:nvSpPr>
         <p:spPr>
           <a:xfrm>
-            <a:off x="10691792" y="13768384"/>
+            <a:off x="10691792" y="13949360"/>
             <a:ext cx="1793880" cy="896940"/>
           </a:xfrm>
           <a:prstGeom prst="flowChartDecision">
@@ -8972,7 +8980,7 @@
         </p:nvCxnSpPr>
         <p:spPr>
           <a:xfrm>
-            <a:off x="12485672" y="14216854"/>
+            <a:off x="12485672" y="14397830"/>
             <a:ext cx="739784" cy="1588"/>
           </a:xfrm>
           <a:prstGeom prst="straightConnector1">
@@ -9011,7 +9019,7 @@
         </p:nvSpPr>
         <p:spPr>
           <a:xfrm>
-            <a:off x="7072272" y="15487656"/>
+            <a:off x="7072272" y="15668632"/>
             <a:ext cx="179388" cy="179388"/>
           </a:xfrm>
           <a:prstGeom prst="flowChartConnector">
@@ -9065,7 +9073,7 @@
         </p:nvCxnSpPr>
         <p:spPr>
           <a:xfrm rot="10800000">
-            <a:off x="7251660" y="15577350"/>
+            <a:off x="7251660" y="15758326"/>
             <a:ext cx="4345012" cy="794"/>
           </a:xfrm>
           <a:prstGeom prst="straightConnector1">
@@ -9106,7 +9114,7 @@
         </p:nvCxnSpPr>
         <p:spPr>
           <a:xfrm rot="16200000" flipV="1">
-            <a:off x="11136292" y="15117764"/>
+            <a:off x="11136292" y="15298740"/>
             <a:ext cx="912820" cy="7940"/>
           </a:xfrm>
           <a:prstGeom prst="straightConnector1">
@@ -9145,7 +9153,7 @@
         </p:nvSpPr>
         <p:spPr>
           <a:xfrm>
-            <a:off x="11415696" y="14944728"/>
+            <a:off x="11415696" y="15125704"/>
             <a:ext cx="366711" cy="271465"/>
           </a:xfrm>
           <a:prstGeom prst="flowChartProcess">
@@ -9207,7 +9215,7 @@
         </p:nvSpPr>
         <p:spPr>
           <a:xfrm>
-            <a:off x="12592040" y="13949360"/>
+            <a:off x="12592040" y="14130336"/>
             <a:ext cx="366711" cy="468349"/>
           </a:xfrm>
           <a:prstGeom prst="flowChartProcess">
@@ -9269,7 +9277,7 @@
         </p:nvSpPr>
         <p:spPr>
           <a:xfrm>
-            <a:off x="13406432" y="15940096"/>
+            <a:off x="13406432" y="16121072"/>
             <a:ext cx="1447808" cy="452440"/>
           </a:xfrm>
           <a:prstGeom prst="flowChartInputOutput">
@@ -9335,7 +9343,7 @@
         </p:nvSpPr>
         <p:spPr>
           <a:xfrm>
-            <a:off x="18021320" y="12953992"/>
+            <a:off x="18021320" y="13134968"/>
             <a:ext cx="179388" cy="179388"/>
           </a:xfrm>
           <a:prstGeom prst="flowChartConnector">
@@ -9389,7 +9397,7 @@
         </p:nvCxnSpPr>
         <p:spPr>
           <a:xfrm rot="10800000">
-            <a:off x="18200708" y="13043686"/>
+            <a:off x="18200708" y="13224662"/>
             <a:ext cx="1268420" cy="794"/>
           </a:xfrm>
           <a:prstGeom prst="straightConnector1">
@@ -9428,7 +9436,7 @@
         </p:nvCxnSpPr>
         <p:spPr>
           <a:xfrm rot="5400000">
-            <a:off x="17885588" y="14628020"/>
+            <a:off x="17885588" y="14808996"/>
             <a:ext cx="3167080" cy="1588"/>
           </a:xfrm>
           <a:prstGeom prst="straightConnector1">
@@ -9469,7 +9477,7 @@
         </p:nvCxnSpPr>
         <p:spPr>
           <a:xfrm rot="10800000">
-            <a:off x="14709460" y="16166316"/>
+            <a:off x="14709460" y="16347292"/>
             <a:ext cx="4759669" cy="45244"/>
           </a:xfrm>
           <a:prstGeom prst="straightConnector1">
@@ -9510,7 +9518,7 @@
         </p:nvCxnSpPr>
         <p:spPr>
           <a:xfrm flipV="1">
-            <a:off x="7162760" y="13043686"/>
+            <a:off x="7162760" y="13224662"/>
             <a:ext cx="10858560" cy="794"/>
           </a:xfrm>
           <a:prstGeom prst="straightConnector1">
@@ -9549,7 +9557,7 @@
         </p:nvSpPr>
         <p:spPr>
           <a:xfrm>
-            <a:off x="828600" y="12953992"/>
+            <a:off x="828600" y="13134968"/>
             <a:ext cx="1447808" cy="343195"/>
           </a:xfrm>
           <a:prstGeom prst="flowChartTerminator">
@@ -9614,7 +9622,7 @@
         </p:nvSpPr>
         <p:spPr>
           <a:xfrm>
-            <a:off x="828600" y="16121072"/>
+            <a:off x="828600" y="16302048"/>
             <a:ext cx="1447808" cy="343195"/>
           </a:xfrm>
           <a:prstGeom prst="flowChartTerminator">
@@ -9679,7 +9687,7 @@
         </p:nvSpPr>
         <p:spPr>
           <a:xfrm>
-            <a:off x="1462016" y="15489244"/>
+            <a:off x="1462016" y="15670220"/>
             <a:ext cx="179388" cy="179388"/>
           </a:xfrm>
           <a:prstGeom prst="flowChartConnector">
@@ -9734,7 +9742,7 @@
         </p:nvCxnSpPr>
         <p:spPr>
           <a:xfrm rot="10800000" flipV="1">
-            <a:off x="1641404" y="15575762"/>
+            <a:off x="1641404" y="15756738"/>
             <a:ext cx="1720860" cy="3176"/>
           </a:xfrm>
           <a:prstGeom prst="straightConnector1">
@@ -9776,7 +9784,7 @@
         </p:nvCxnSpPr>
         <p:spPr>
           <a:xfrm rot="16200000" flipH="1">
-            <a:off x="1325887" y="15894455"/>
+            <a:off x="1325887" y="16075431"/>
             <a:ext cx="452440" cy="794"/>
           </a:xfrm>
           <a:prstGeom prst="straightConnector1">
@@ -9815,7 +9823,7 @@
         </p:nvSpPr>
         <p:spPr>
           <a:xfrm>
-            <a:off x="376160" y="12411064"/>
+            <a:off x="376160" y="12592040"/>
             <a:ext cx="19545408" cy="4433912"/>
           </a:xfrm>
           <a:prstGeom prst="flowChartProcess">
@@ -9864,7 +9872,7 @@
         </p:nvSpPr>
         <p:spPr>
           <a:xfrm>
-            <a:off x="2366896" y="12139600"/>
+            <a:off x="2366896" y="12320576"/>
             <a:ext cx="1809760" cy="468349"/>
           </a:xfrm>
           <a:prstGeom prst="flowChartProcess">
@@ -10196,6 +10204,4762 @@
           </a:fontRef>
         </p:style>
       </p:cxnSp>
+      <p:sp>
+        <p:nvSpPr>
+          <p:cNvPr id="133" name="Flowchart: Terminator 132"/>
+          <p:cNvSpPr/>
+          <p:nvPr/>
+        </p:nvSpPr>
+        <p:spPr>
+          <a:xfrm>
+            <a:off x="17659368" y="738112"/>
+            <a:ext cx="1447808" cy="343195"/>
+          </a:xfrm>
+          <a:prstGeom prst="flowChartTerminator">
+            <a:avLst/>
+          </a:prstGeom>
+          <a:solidFill>
+            <a:schemeClr val="accent2">
+              <a:lumMod val="60000"/>
+              <a:lumOff val="40000"/>
+            </a:schemeClr>
+          </a:solidFill>
+          <a:ln>
+            <a:solidFill>
+              <a:schemeClr val="accent2">
+                <a:lumMod val="75000"/>
+              </a:schemeClr>
+            </a:solidFill>
+          </a:ln>
+        </p:spPr>
+        <p:style>
+          <a:lnRef idx="2">
+            <a:schemeClr val="accent1">
+              <a:shade val="50000"/>
+            </a:schemeClr>
+          </a:lnRef>
+          <a:fillRef idx="1">
+            <a:schemeClr val="accent1"/>
+          </a:fillRef>
+          <a:effectRef idx="0">
+            <a:schemeClr val="accent1"/>
+          </a:effectRef>
+          <a:fontRef idx="minor">
+            <a:schemeClr val="lt1"/>
+          </a:fontRef>
+        </p:style>
+        <p:txBody>
+          <a:bodyPr lIns="91431" tIns="45715" rIns="91431" bIns="45715" rtlCol="0" anchor="ctr"/>
+          <a:lstStyle/>
+          <a:p>
+            <a:pPr algn="ctr"/>
+            <a:r>
+              <a:rPr lang="en-GB" sz="900" dirty="0" smtClean="0">
+                <a:solidFill>
+                  <a:schemeClr val="tx1"/>
+                </a:solidFill>
+              </a:rPr>
+              <a:t>Worker thread created</a:t>
+            </a:r>
+            <a:endParaRPr lang="en-GB" sz="900" dirty="0">
+              <a:solidFill>
+                <a:schemeClr val="tx1"/>
+              </a:solidFill>
+            </a:endParaRPr>
+          </a:p>
+        </p:txBody>
+      </p:sp>
+      <p:sp>
+        <p:nvSpPr>
+          <p:cNvPr id="136" name="Flowchart: Decision 135"/>
+          <p:cNvSpPr/>
+          <p:nvPr/>
+        </p:nvSpPr>
+        <p:spPr>
+          <a:xfrm>
+            <a:off x="17478392" y="2190684"/>
+            <a:ext cx="1793880" cy="896940"/>
+          </a:xfrm>
+          <a:prstGeom prst="flowChartDecision">
+            <a:avLst/>
+          </a:prstGeom>
+          <a:solidFill>
+            <a:schemeClr val="accent6">
+              <a:lumMod val="40000"/>
+              <a:lumOff val="60000"/>
+            </a:schemeClr>
+          </a:solidFill>
+          <a:ln>
+            <a:solidFill>
+              <a:schemeClr val="accent6">
+                <a:lumMod val="60000"/>
+                <a:lumOff val="40000"/>
+              </a:schemeClr>
+            </a:solidFill>
+          </a:ln>
+        </p:spPr>
+        <p:style>
+          <a:lnRef idx="2">
+            <a:schemeClr val="accent1">
+              <a:shade val="50000"/>
+            </a:schemeClr>
+          </a:lnRef>
+          <a:fillRef idx="1">
+            <a:schemeClr val="accent1"/>
+          </a:fillRef>
+          <a:effectRef idx="0">
+            <a:schemeClr val="accent1"/>
+          </a:effectRef>
+          <a:fontRef idx="minor">
+            <a:schemeClr val="lt1"/>
+          </a:fontRef>
+        </p:style>
+        <p:txBody>
+          <a:bodyPr lIns="91431" tIns="45715" rIns="91431" bIns="45715" rtlCol="0" anchor="ctr"/>
+          <a:lstStyle/>
+          <a:p>
+            <a:pPr algn="ctr"/>
+            <a:r>
+              <a:rPr lang="en-GB" sz="900" dirty="0" smtClean="0">
+                <a:solidFill>
+                  <a:schemeClr val="tx1"/>
+                </a:solidFill>
+              </a:rPr>
+              <a:t>Is exit flag set?</a:t>
+            </a:r>
+            <a:endParaRPr lang="en-GB" sz="900" dirty="0">
+              <a:solidFill>
+                <a:schemeClr val="tx1"/>
+              </a:solidFill>
+            </a:endParaRPr>
+          </a:p>
+        </p:txBody>
+      </p:sp>
+      <p:sp>
+        <p:nvSpPr>
+          <p:cNvPr id="137" name="Flowchart: Process 136"/>
+          <p:cNvSpPr/>
+          <p:nvPr/>
+        </p:nvSpPr>
+        <p:spPr>
+          <a:xfrm>
+            <a:off x="17659368" y="3638492"/>
+            <a:ext cx="1435103" cy="538164"/>
+          </a:xfrm>
+          <a:prstGeom prst="flowChartProcess">
+            <a:avLst/>
+          </a:prstGeom>
+          <a:solidFill>
+            <a:schemeClr val="accent3">
+              <a:lumMod val="60000"/>
+              <a:lumOff val="40000"/>
+            </a:schemeClr>
+          </a:solidFill>
+          <a:ln>
+            <a:solidFill>
+              <a:schemeClr val="accent3">
+                <a:lumMod val="75000"/>
+              </a:schemeClr>
+            </a:solidFill>
+          </a:ln>
+        </p:spPr>
+        <p:style>
+          <a:lnRef idx="2">
+            <a:schemeClr val="accent1">
+              <a:shade val="50000"/>
+            </a:schemeClr>
+          </a:lnRef>
+          <a:fillRef idx="1">
+            <a:schemeClr val="accent1"/>
+          </a:fillRef>
+          <a:effectRef idx="0">
+            <a:schemeClr val="accent1"/>
+          </a:effectRef>
+          <a:fontRef idx="minor">
+            <a:schemeClr val="lt1"/>
+          </a:fontRef>
+        </p:style>
+        <p:txBody>
+          <a:bodyPr vert="horz" lIns="91431" tIns="45715" rIns="91431" bIns="45715" rtlCol="0" anchor="ctr"/>
+          <a:lstStyle/>
+          <a:p>
+            <a:pPr algn="ctr"/>
+            <a:r>
+              <a:rPr lang="en-GB" sz="900" dirty="0">
+                <a:solidFill>
+                  <a:sysClr val="windowText" lastClr="000000"/>
+                </a:solidFill>
+              </a:rPr>
+              <a:t>Lock </a:t>
+            </a:r>
+            <a:r>
+              <a:rPr lang="en-GB" sz="900" dirty="0" smtClean="0">
+                <a:solidFill>
+                  <a:schemeClr val="tx1"/>
+                </a:solidFill>
+              </a:rPr>
+              <a:t>execution </a:t>
+            </a:r>
+            <a:r>
+              <a:rPr lang="en-GB" sz="900" dirty="0" smtClean="0">
+                <a:solidFill>
+                  <a:sysClr val="windowText" lastClr="000000"/>
+                </a:solidFill>
+              </a:rPr>
+              <a:t>queue</a:t>
+            </a:r>
+            <a:endParaRPr lang="en-GB" sz="900" dirty="0">
+              <a:solidFill>
+                <a:sysClr val="windowText" lastClr="000000"/>
+              </a:solidFill>
+            </a:endParaRPr>
+          </a:p>
+        </p:txBody>
+      </p:sp>
+      <p:cxnSp>
+        <p:nvCxnSpPr>
+          <p:cNvPr id="138" name="Straight Arrow Connector 137"/>
+          <p:cNvCxnSpPr>
+            <a:stCxn id="133" idx="2"/>
+            <a:endCxn id="151" idx="0"/>
+          </p:cNvCxnSpPr>
+          <p:nvPr/>
+        </p:nvCxnSpPr>
+        <p:spPr>
+          <a:xfrm rot="5400000">
+            <a:off x="18147277" y="1316508"/>
+            <a:ext cx="471197" cy="794"/>
+          </a:xfrm>
+          <a:prstGeom prst="straightConnector1">
+            <a:avLst/>
+          </a:prstGeom>
+          <a:ln w="19050">
+            <a:solidFill>
+              <a:schemeClr val="bg1">
+                <a:lumMod val="50000"/>
+              </a:schemeClr>
+            </a:solidFill>
+            <a:headEnd type="none" w="med" len="med"/>
+            <a:tailEnd type="triangle" w="med" len="med"/>
+          </a:ln>
+        </p:spPr>
+        <p:style>
+          <a:lnRef idx="1">
+            <a:schemeClr val="accent1"/>
+          </a:lnRef>
+          <a:fillRef idx="0">
+            <a:schemeClr val="accent1"/>
+          </a:fillRef>
+          <a:effectRef idx="0">
+            <a:schemeClr val="accent1"/>
+          </a:effectRef>
+          <a:fontRef idx="minor">
+            <a:schemeClr val="tx1"/>
+          </a:fontRef>
+        </p:style>
+      </p:cxnSp>
+      <p:sp>
+        <p:nvSpPr>
+          <p:cNvPr id="142" name="Flowchart: Terminator 141"/>
+          <p:cNvSpPr/>
+          <p:nvPr/>
+        </p:nvSpPr>
+        <p:spPr>
+          <a:xfrm>
+            <a:off x="20283520" y="2462148"/>
+            <a:ext cx="1447808" cy="343195"/>
+          </a:xfrm>
+          <a:prstGeom prst="flowChartTerminator">
+            <a:avLst/>
+          </a:prstGeom>
+          <a:solidFill>
+            <a:schemeClr val="accent2">
+              <a:lumMod val="60000"/>
+              <a:lumOff val="40000"/>
+            </a:schemeClr>
+          </a:solidFill>
+          <a:ln>
+            <a:solidFill>
+              <a:schemeClr val="accent2">
+                <a:lumMod val="75000"/>
+              </a:schemeClr>
+            </a:solidFill>
+          </a:ln>
+        </p:spPr>
+        <p:style>
+          <a:lnRef idx="2">
+            <a:schemeClr val="accent1">
+              <a:shade val="50000"/>
+            </a:schemeClr>
+          </a:lnRef>
+          <a:fillRef idx="1">
+            <a:schemeClr val="accent1"/>
+          </a:fillRef>
+          <a:effectRef idx="0">
+            <a:schemeClr val="accent1"/>
+          </a:effectRef>
+          <a:fontRef idx="minor">
+            <a:schemeClr val="lt1"/>
+          </a:fontRef>
+        </p:style>
+        <p:txBody>
+          <a:bodyPr lIns="91431" tIns="45715" rIns="91431" bIns="45715" rtlCol="0" anchor="ctr"/>
+          <a:lstStyle/>
+          <a:p>
+            <a:pPr algn="ctr"/>
+            <a:r>
+              <a:rPr lang="en-GB" sz="900" dirty="0" smtClean="0">
+                <a:solidFill>
+                  <a:schemeClr val="tx1"/>
+                </a:solidFill>
+              </a:rPr>
+              <a:t>Exit worker thread</a:t>
+            </a:r>
+            <a:endParaRPr lang="en-GB" sz="900" dirty="0">
+              <a:solidFill>
+                <a:schemeClr val="tx1"/>
+              </a:solidFill>
+            </a:endParaRPr>
+          </a:p>
+        </p:txBody>
+      </p:sp>
+      <p:cxnSp>
+        <p:nvCxnSpPr>
+          <p:cNvPr id="143" name="Straight Arrow Connector 142"/>
+          <p:cNvCxnSpPr>
+            <a:stCxn id="136" idx="3"/>
+            <a:endCxn id="142" idx="1"/>
+          </p:cNvCxnSpPr>
+          <p:nvPr/>
+        </p:nvCxnSpPr>
+        <p:spPr>
+          <a:xfrm flipV="1">
+            <a:off x="19272272" y="2633746"/>
+            <a:ext cx="1011248" cy="5408"/>
+          </a:xfrm>
+          <a:prstGeom prst="straightConnector1">
+            <a:avLst/>
+          </a:prstGeom>
+          <a:ln w="19050">
+            <a:solidFill>
+              <a:schemeClr val="bg1">
+                <a:lumMod val="50000"/>
+              </a:schemeClr>
+            </a:solidFill>
+            <a:headEnd type="none" w="med" len="med"/>
+            <a:tailEnd type="triangle" w="med" len="med"/>
+          </a:ln>
+        </p:spPr>
+        <p:style>
+          <a:lnRef idx="1">
+            <a:schemeClr val="accent1"/>
+          </a:lnRef>
+          <a:fillRef idx="0">
+            <a:schemeClr val="accent1"/>
+          </a:fillRef>
+          <a:effectRef idx="0">
+            <a:schemeClr val="accent1"/>
+          </a:effectRef>
+          <a:fontRef idx="minor">
+            <a:schemeClr val="tx1"/>
+          </a:fontRef>
+        </p:style>
+      </p:cxnSp>
+      <p:sp>
+        <p:nvSpPr>
+          <p:cNvPr id="146" name="Flowchart: Process 145"/>
+          <p:cNvSpPr/>
+          <p:nvPr/>
+        </p:nvSpPr>
+        <p:spPr>
+          <a:xfrm>
+            <a:off x="19559616" y="2462148"/>
+            <a:ext cx="366711" cy="361953"/>
+          </a:xfrm>
+          <a:prstGeom prst="flowChartProcess">
+            <a:avLst/>
+          </a:prstGeom>
+          <a:solidFill>
+            <a:schemeClr val="bg1"/>
+          </a:solidFill>
+          <a:ln>
+            <a:noFill/>
+          </a:ln>
+        </p:spPr>
+        <p:style>
+          <a:lnRef idx="2">
+            <a:schemeClr val="accent1">
+              <a:shade val="50000"/>
+            </a:schemeClr>
+          </a:lnRef>
+          <a:fillRef idx="1">
+            <a:schemeClr val="accent1"/>
+          </a:fillRef>
+          <a:effectRef idx="0">
+            <a:schemeClr val="accent1"/>
+          </a:effectRef>
+          <a:fontRef idx="minor">
+            <a:schemeClr val="lt1"/>
+          </a:fontRef>
+        </p:style>
+        <p:txBody>
+          <a:bodyPr lIns="91431" tIns="45715" rIns="91431" bIns="45715" rtlCol="0" anchor="ctr"/>
+          <a:lstStyle/>
+          <a:p>
+            <a:pPr algn="ctr"/>
+            <a:r>
+              <a:rPr lang="en-GB" sz="900" dirty="0" smtClean="0">
+                <a:solidFill>
+                  <a:schemeClr val="bg1">
+                    <a:lumMod val="50000"/>
+                  </a:schemeClr>
+                </a:solidFill>
+              </a:rPr>
+              <a:t>Yes</a:t>
+            </a:r>
+            <a:endParaRPr lang="en-GB" sz="900" dirty="0">
+              <a:solidFill>
+                <a:schemeClr val="bg1">
+                  <a:lumMod val="50000"/>
+                </a:schemeClr>
+              </a:solidFill>
+            </a:endParaRPr>
+          </a:p>
+        </p:txBody>
+      </p:sp>
+      <p:cxnSp>
+        <p:nvCxnSpPr>
+          <p:cNvPr id="147" name="Straight Arrow Connector 146"/>
+          <p:cNvCxnSpPr>
+            <a:stCxn id="136" idx="2"/>
+            <a:endCxn id="137" idx="0"/>
+          </p:cNvCxnSpPr>
+          <p:nvPr/>
+        </p:nvCxnSpPr>
+        <p:spPr>
+          <a:xfrm rot="16200000" flipH="1">
+            <a:off x="18100692" y="3362264"/>
+            <a:ext cx="550868" cy="1588"/>
+          </a:xfrm>
+          <a:prstGeom prst="straightConnector1">
+            <a:avLst/>
+          </a:prstGeom>
+          <a:ln w="19050">
+            <a:solidFill>
+              <a:schemeClr val="bg1">
+                <a:lumMod val="50000"/>
+              </a:schemeClr>
+            </a:solidFill>
+            <a:headEnd type="none" w="med" len="med"/>
+            <a:tailEnd type="triangle" w="med" len="med"/>
+          </a:ln>
+        </p:spPr>
+        <p:style>
+          <a:lnRef idx="1">
+            <a:schemeClr val="accent1"/>
+          </a:lnRef>
+          <a:fillRef idx="0">
+            <a:schemeClr val="accent1"/>
+          </a:fillRef>
+          <a:effectRef idx="0">
+            <a:schemeClr val="accent1"/>
+          </a:effectRef>
+          <a:fontRef idx="minor">
+            <a:schemeClr val="tx1"/>
+          </a:fontRef>
+        </p:style>
+      </p:cxnSp>
+      <p:sp>
+        <p:nvSpPr>
+          <p:cNvPr id="150" name="Flowchart: Process 149"/>
+          <p:cNvSpPr/>
+          <p:nvPr/>
+        </p:nvSpPr>
+        <p:spPr>
+          <a:xfrm>
+            <a:off x="18202296" y="3186052"/>
+            <a:ext cx="366711" cy="180977"/>
+          </a:xfrm>
+          <a:prstGeom prst="flowChartProcess">
+            <a:avLst/>
+          </a:prstGeom>
+          <a:solidFill>
+            <a:schemeClr val="bg1"/>
+          </a:solidFill>
+          <a:ln>
+            <a:noFill/>
+          </a:ln>
+        </p:spPr>
+        <p:style>
+          <a:lnRef idx="2">
+            <a:schemeClr val="accent1">
+              <a:shade val="50000"/>
+            </a:schemeClr>
+          </a:lnRef>
+          <a:fillRef idx="1">
+            <a:schemeClr val="accent1"/>
+          </a:fillRef>
+          <a:effectRef idx="0">
+            <a:schemeClr val="accent1"/>
+          </a:effectRef>
+          <a:fontRef idx="minor">
+            <a:schemeClr val="lt1"/>
+          </a:fontRef>
+        </p:style>
+        <p:txBody>
+          <a:bodyPr lIns="91431" tIns="45715" rIns="91431" bIns="45715" rtlCol="0" anchor="ctr"/>
+          <a:lstStyle/>
+          <a:p>
+            <a:pPr algn="ctr"/>
+            <a:r>
+              <a:rPr lang="en-GB" sz="900" dirty="0" smtClean="0">
+                <a:solidFill>
+                  <a:schemeClr val="bg1">
+                    <a:lumMod val="50000"/>
+                  </a:schemeClr>
+                </a:solidFill>
+              </a:rPr>
+              <a:t>No</a:t>
+            </a:r>
+            <a:endParaRPr lang="en-GB" sz="900" dirty="0">
+              <a:solidFill>
+                <a:schemeClr val="bg1">
+                  <a:lumMod val="50000"/>
+                </a:schemeClr>
+              </a:solidFill>
+            </a:endParaRPr>
+          </a:p>
+        </p:txBody>
+      </p:sp>
+      <p:sp>
+        <p:nvSpPr>
+          <p:cNvPr id="151" name="Flowchart: Connector 150"/>
+          <p:cNvSpPr/>
+          <p:nvPr/>
+        </p:nvSpPr>
+        <p:spPr>
+          <a:xfrm>
+            <a:off x="18292784" y="1552504"/>
+            <a:ext cx="179388" cy="179388"/>
+          </a:xfrm>
+          <a:prstGeom prst="flowChartConnector">
+            <a:avLst/>
+          </a:prstGeom>
+          <a:solidFill>
+            <a:schemeClr val="bg1">
+              <a:lumMod val="75000"/>
+            </a:schemeClr>
+          </a:solidFill>
+          <a:ln>
+            <a:solidFill>
+              <a:schemeClr val="bg1">
+                <a:lumMod val="50000"/>
+              </a:schemeClr>
+            </a:solidFill>
+          </a:ln>
+        </p:spPr>
+        <p:style>
+          <a:lnRef idx="2">
+            <a:schemeClr val="accent1">
+              <a:shade val="50000"/>
+            </a:schemeClr>
+          </a:lnRef>
+          <a:fillRef idx="1">
+            <a:schemeClr val="accent1"/>
+          </a:fillRef>
+          <a:effectRef idx="0">
+            <a:schemeClr val="accent1"/>
+          </a:effectRef>
+          <a:fontRef idx="minor">
+            <a:schemeClr val="lt1"/>
+          </a:fontRef>
+        </p:style>
+        <p:txBody>
+          <a:bodyPr lIns="91431" tIns="45715" rIns="91431" bIns="45715" rtlCol="0" anchor="ctr"/>
+          <a:lstStyle/>
+          <a:p>
+            <a:pPr algn="ctr"/>
+            <a:endParaRPr lang="en-GB" dirty="0"/>
+          </a:p>
+        </p:txBody>
+      </p:sp>
+      <p:cxnSp>
+        <p:nvCxnSpPr>
+          <p:cNvPr id="155" name="Straight Arrow Connector 154"/>
+          <p:cNvCxnSpPr>
+            <a:stCxn id="151" idx="4"/>
+            <a:endCxn id="136" idx="0"/>
+          </p:cNvCxnSpPr>
+          <p:nvPr/>
+        </p:nvCxnSpPr>
+        <p:spPr>
+          <a:xfrm rot="5400000">
+            <a:off x="18149509" y="1957715"/>
+            <a:ext cx="458792" cy="7146"/>
+          </a:xfrm>
+          <a:prstGeom prst="straightConnector1">
+            <a:avLst/>
+          </a:prstGeom>
+          <a:ln w="19050">
+            <a:solidFill>
+              <a:schemeClr val="bg1">
+                <a:lumMod val="50000"/>
+              </a:schemeClr>
+            </a:solidFill>
+            <a:headEnd type="none" w="med" len="med"/>
+            <a:tailEnd type="triangle" w="med" len="med"/>
+          </a:ln>
+        </p:spPr>
+        <p:style>
+          <a:lnRef idx="1">
+            <a:schemeClr val="accent1"/>
+          </a:lnRef>
+          <a:fillRef idx="0">
+            <a:schemeClr val="accent1"/>
+          </a:fillRef>
+          <a:effectRef idx="0">
+            <a:schemeClr val="accent1"/>
+          </a:effectRef>
+          <a:fontRef idx="minor">
+            <a:schemeClr val="tx1"/>
+          </a:fontRef>
+        </p:style>
+      </p:cxnSp>
+      <p:sp>
+        <p:nvSpPr>
+          <p:cNvPr id="158" name="Flowchart: Decision 157"/>
+          <p:cNvSpPr/>
+          <p:nvPr/>
+        </p:nvSpPr>
+        <p:spPr>
+          <a:xfrm>
+            <a:off x="17478392" y="4629096"/>
+            <a:ext cx="1793880" cy="896940"/>
+          </a:xfrm>
+          <a:prstGeom prst="flowChartDecision">
+            <a:avLst/>
+          </a:prstGeom>
+          <a:solidFill>
+            <a:schemeClr val="accent6">
+              <a:lumMod val="40000"/>
+              <a:lumOff val="60000"/>
+            </a:schemeClr>
+          </a:solidFill>
+          <a:ln>
+            <a:solidFill>
+              <a:schemeClr val="accent6">
+                <a:lumMod val="60000"/>
+                <a:lumOff val="40000"/>
+              </a:schemeClr>
+            </a:solidFill>
+          </a:ln>
+        </p:spPr>
+        <p:style>
+          <a:lnRef idx="2">
+            <a:schemeClr val="accent1">
+              <a:shade val="50000"/>
+            </a:schemeClr>
+          </a:lnRef>
+          <a:fillRef idx="1">
+            <a:schemeClr val="accent1"/>
+          </a:fillRef>
+          <a:effectRef idx="0">
+            <a:schemeClr val="accent1"/>
+          </a:effectRef>
+          <a:fontRef idx="minor">
+            <a:schemeClr val="lt1"/>
+          </a:fontRef>
+        </p:style>
+        <p:txBody>
+          <a:bodyPr lIns="91431" tIns="45715" rIns="91431" bIns="45715" rtlCol="0" anchor="ctr"/>
+          <a:lstStyle/>
+          <a:p>
+            <a:pPr algn="ctr"/>
+            <a:r>
+              <a:rPr lang="en-GB" sz="900" dirty="0" smtClean="0">
+                <a:solidFill>
+                  <a:schemeClr val="tx1"/>
+                </a:solidFill>
+              </a:rPr>
+              <a:t>Is execution queue empty?</a:t>
+            </a:r>
+            <a:endParaRPr lang="en-GB" sz="900" dirty="0">
+              <a:solidFill>
+                <a:schemeClr val="tx1"/>
+              </a:solidFill>
+            </a:endParaRPr>
+          </a:p>
+        </p:txBody>
+      </p:sp>
+      <p:sp>
+        <p:nvSpPr>
+          <p:cNvPr id="159" name="Flowchart: Process 158"/>
+          <p:cNvSpPr/>
+          <p:nvPr/>
+        </p:nvSpPr>
+        <p:spPr>
+          <a:xfrm>
+            <a:off x="20193032" y="4810072"/>
+            <a:ext cx="1435103" cy="538164"/>
+          </a:xfrm>
+          <a:prstGeom prst="flowChartProcess">
+            <a:avLst/>
+          </a:prstGeom>
+          <a:solidFill>
+            <a:schemeClr val="accent3">
+              <a:lumMod val="60000"/>
+              <a:lumOff val="40000"/>
+            </a:schemeClr>
+          </a:solidFill>
+          <a:ln>
+            <a:solidFill>
+              <a:schemeClr val="accent3">
+                <a:lumMod val="75000"/>
+              </a:schemeClr>
+            </a:solidFill>
+          </a:ln>
+        </p:spPr>
+        <p:style>
+          <a:lnRef idx="2">
+            <a:schemeClr val="accent1">
+              <a:shade val="50000"/>
+            </a:schemeClr>
+          </a:lnRef>
+          <a:fillRef idx="1">
+            <a:schemeClr val="accent1"/>
+          </a:fillRef>
+          <a:effectRef idx="0">
+            <a:schemeClr val="accent1"/>
+          </a:effectRef>
+          <a:fontRef idx="minor">
+            <a:schemeClr val="lt1"/>
+          </a:fontRef>
+        </p:style>
+        <p:txBody>
+          <a:bodyPr vert="horz" lIns="91431" tIns="45715" rIns="91431" bIns="45715" rtlCol="0" anchor="ctr"/>
+          <a:lstStyle/>
+          <a:p>
+            <a:pPr algn="ctr"/>
+            <a:r>
+              <a:rPr lang="en-GB" sz="900" dirty="0" smtClean="0">
+                <a:solidFill>
+                  <a:sysClr val="windowText" lastClr="000000"/>
+                </a:solidFill>
+              </a:rPr>
+              <a:t>Unlock </a:t>
+            </a:r>
+            <a:r>
+              <a:rPr lang="en-GB" sz="900" dirty="0" smtClean="0">
+                <a:solidFill>
+                  <a:schemeClr val="tx1"/>
+                </a:solidFill>
+              </a:rPr>
+              <a:t>execution </a:t>
+            </a:r>
+            <a:r>
+              <a:rPr lang="en-GB" sz="900" dirty="0" smtClean="0">
+                <a:solidFill>
+                  <a:sysClr val="windowText" lastClr="000000"/>
+                </a:solidFill>
+              </a:rPr>
+              <a:t>queue</a:t>
+            </a:r>
+            <a:endParaRPr lang="en-GB" sz="900" dirty="0">
+              <a:solidFill>
+                <a:sysClr val="windowText" lastClr="000000"/>
+              </a:solidFill>
+            </a:endParaRPr>
+          </a:p>
+        </p:txBody>
+      </p:sp>
+      <p:cxnSp>
+        <p:nvCxnSpPr>
+          <p:cNvPr id="160" name="Straight Arrow Connector 159"/>
+          <p:cNvCxnSpPr>
+            <a:stCxn id="137" idx="2"/>
+            <a:endCxn id="158" idx="0"/>
+          </p:cNvCxnSpPr>
+          <p:nvPr/>
+        </p:nvCxnSpPr>
+        <p:spPr>
+          <a:xfrm rot="5400000">
+            <a:off x="18149906" y="4402082"/>
+            <a:ext cx="452440" cy="1588"/>
+          </a:xfrm>
+          <a:prstGeom prst="straightConnector1">
+            <a:avLst/>
+          </a:prstGeom>
+          <a:ln w="19050">
+            <a:solidFill>
+              <a:schemeClr val="bg1">
+                <a:lumMod val="50000"/>
+              </a:schemeClr>
+            </a:solidFill>
+            <a:headEnd type="none" w="med" len="med"/>
+            <a:tailEnd type="triangle" w="med" len="med"/>
+          </a:ln>
+        </p:spPr>
+        <p:style>
+          <a:lnRef idx="1">
+            <a:schemeClr val="accent1"/>
+          </a:lnRef>
+          <a:fillRef idx="0">
+            <a:schemeClr val="accent1"/>
+          </a:fillRef>
+          <a:effectRef idx="0">
+            <a:schemeClr val="accent1"/>
+          </a:effectRef>
+          <a:fontRef idx="minor">
+            <a:schemeClr val="tx1"/>
+          </a:fontRef>
+        </p:style>
+      </p:cxnSp>
+      <p:sp>
+        <p:nvSpPr>
+          <p:cNvPr id="161" name="Flowchart: Process 160"/>
+          <p:cNvSpPr/>
+          <p:nvPr/>
+        </p:nvSpPr>
+        <p:spPr>
+          <a:xfrm>
+            <a:off x="18202296" y="4267144"/>
+            <a:ext cx="366711" cy="180977"/>
+          </a:xfrm>
+          <a:prstGeom prst="flowChartProcess">
+            <a:avLst/>
+          </a:prstGeom>
+          <a:solidFill>
+            <a:schemeClr val="bg1"/>
+          </a:solidFill>
+          <a:ln>
+            <a:noFill/>
+          </a:ln>
+        </p:spPr>
+        <p:style>
+          <a:lnRef idx="2">
+            <a:schemeClr val="accent1">
+              <a:shade val="50000"/>
+            </a:schemeClr>
+          </a:lnRef>
+          <a:fillRef idx="1">
+            <a:schemeClr val="accent1"/>
+          </a:fillRef>
+          <a:effectRef idx="0">
+            <a:schemeClr val="accent1"/>
+          </a:effectRef>
+          <a:fontRef idx="minor">
+            <a:schemeClr val="lt1"/>
+          </a:fontRef>
+        </p:style>
+        <p:txBody>
+          <a:bodyPr lIns="91431" tIns="45715" rIns="91431" bIns="45715" rtlCol="0" anchor="ctr"/>
+          <a:lstStyle/>
+          <a:p>
+            <a:pPr algn="ctr"/>
+            <a:r>
+              <a:rPr lang="en-GB" sz="900" dirty="0" smtClean="0">
+                <a:solidFill>
+                  <a:schemeClr val="bg1">
+                    <a:lumMod val="50000"/>
+                  </a:schemeClr>
+                </a:solidFill>
+              </a:rPr>
+              <a:t>No</a:t>
+            </a:r>
+            <a:endParaRPr lang="en-GB" sz="900" dirty="0">
+              <a:solidFill>
+                <a:schemeClr val="bg1">
+                  <a:lumMod val="50000"/>
+                </a:schemeClr>
+              </a:solidFill>
+            </a:endParaRPr>
+          </a:p>
+        </p:txBody>
+      </p:sp>
+      <p:cxnSp>
+        <p:nvCxnSpPr>
+          <p:cNvPr id="164" name="Straight Arrow Connector 163"/>
+          <p:cNvCxnSpPr>
+            <a:stCxn id="158" idx="3"/>
+            <a:endCxn id="159" idx="1"/>
+          </p:cNvCxnSpPr>
+          <p:nvPr/>
+        </p:nvCxnSpPr>
+        <p:spPr>
+          <a:xfrm>
+            <a:off x="19272272" y="5077566"/>
+            <a:ext cx="920760" cy="1588"/>
+          </a:xfrm>
+          <a:prstGeom prst="straightConnector1">
+            <a:avLst/>
+          </a:prstGeom>
+          <a:ln w="19050">
+            <a:solidFill>
+              <a:schemeClr val="bg1">
+                <a:lumMod val="50000"/>
+              </a:schemeClr>
+            </a:solidFill>
+            <a:headEnd type="none" w="med" len="med"/>
+            <a:tailEnd type="triangle" w="med" len="med"/>
+          </a:ln>
+        </p:spPr>
+        <p:style>
+          <a:lnRef idx="1">
+            <a:schemeClr val="accent1"/>
+          </a:lnRef>
+          <a:fillRef idx="0">
+            <a:schemeClr val="accent1"/>
+          </a:fillRef>
+          <a:effectRef idx="0">
+            <a:schemeClr val="accent1"/>
+          </a:effectRef>
+          <a:fontRef idx="minor">
+            <a:schemeClr val="tx1"/>
+          </a:fontRef>
+        </p:style>
+      </p:cxnSp>
+      <p:sp>
+        <p:nvSpPr>
+          <p:cNvPr id="168" name="Flowchart: Process 167"/>
+          <p:cNvSpPr/>
+          <p:nvPr/>
+        </p:nvSpPr>
+        <p:spPr>
+          <a:xfrm>
+            <a:off x="19554857" y="4900560"/>
+            <a:ext cx="366711" cy="361953"/>
+          </a:xfrm>
+          <a:prstGeom prst="flowChartProcess">
+            <a:avLst/>
+          </a:prstGeom>
+          <a:solidFill>
+            <a:schemeClr val="bg1"/>
+          </a:solidFill>
+          <a:ln>
+            <a:noFill/>
+          </a:ln>
+        </p:spPr>
+        <p:style>
+          <a:lnRef idx="2">
+            <a:schemeClr val="accent1">
+              <a:shade val="50000"/>
+            </a:schemeClr>
+          </a:lnRef>
+          <a:fillRef idx="1">
+            <a:schemeClr val="accent1"/>
+          </a:fillRef>
+          <a:effectRef idx="0">
+            <a:schemeClr val="accent1"/>
+          </a:effectRef>
+          <a:fontRef idx="minor">
+            <a:schemeClr val="lt1"/>
+          </a:fontRef>
+        </p:style>
+        <p:txBody>
+          <a:bodyPr lIns="91431" tIns="45715" rIns="91431" bIns="45715" rtlCol="0" anchor="ctr"/>
+          <a:lstStyle/>
+          <a:p>
+            <a:pPr algn="ctr"/>
+            <a:r>
+              <a:rPr lang="en-GB" sz="900" dirty="0" smtClean="0">
+                <a:solidFill>
+                  <a:schemeClr val="bg1">
+                    <a:lumMod val="50000"/>
+                  </a:schemeClr>
+                </a:solidFill>
+              </a:rPr>
+              <a:t>Yes</a:t>
+            </a:r>
+            <a:endParaRPr lang="en-GB" sz="900" dirty="0">
+              <a:solidFill>
+                <a:schemeClr val="bg1">
+                  <a:lumMod val="50000"/>
+                </a:schemeClr>
+              </a:solidFill>
+            </a:endParaRPr>
+          </a:p>
+        </p:txBody>
+      </p:sp>
+      <p:sp>
+        <p:nvSpPr>
+          <p:cNvPr id="169" name="Flowchart: Process 168"/>
+          <p:cNvSpPr/>
+          <p:nvPr/>
+        </p:nvSpPr>
+        <p:spPr>
+          <a:xfrm>
+            <a:off x="20193032" y="3362264"/>
+            <a:ext cx="1435103" cy="538164"/>
+          </a:xfrm>
+          <a:prstGeom prst="flowChartProcess">
+            <a:avLst/>
+          </a:prstGeom>
+          <a:solidFill>
+            <a:schemeClr val="accent3">
+              <a:lumMod val="60000"/>
+              <a:lumOff val="40000"/>
+            </a:schemeClr>
+          </a:solidFill>
+          <a:ln>
+            <a:solidFill>
+              <a:schemeClr val="accent3">
+                <a:lumMod val="75000"/>
+              </a:schemeClr>
+            </a:solidFill>
+          </a:ln>
+        </p:spPr>
+        <p:style>
+          <a:lnRef idx="2">
+            <a:schemeClr val="accent1">
+              <a:shade val="50000"/>
+            </a:schemeClr>
+          </a:lnRef>
+          <a:fillRef idx="1">
+            <a:schemeClr val="accent1"/>
+          </a:fillRef>
+          <a:effectRef idx="0">
+            <a:schemeClr val="accent1"/>
+          </a:effectRef>
+          <a:fontRef idx="minor">
+            <a:schemeClr val="lt1"/>
+          </a:fontRef>
+        </p:style>
+        <p:txBody>
+          <a:bodyPr vert="horz" lIns="91431" tIns="45715" rIns="91431" bIns="45715" rtlCol="0" anchor="ctr"/>
+          <a:lstStyle/>
+          <a:p>
+            <a:pPr algn="ctr"/>
+            <a:r>
+              <a:rPr lang="en-GB" sz="900" dirty="0" smtClean="0">
+                <a:solidFill>
+                  <a:sysClr val="windowText" lastClr="000000"/>
+                </a:solidFill>
+              </a:rPr>
+              <a:t>Sleep until task is placed in execution queue</a:t>
+            </a:r>
+            <a:endParaRPr lang="en-GB" sz="900" dirty="0">
+              <a:solidFill>
+                <a:sysClr val="windowText" lastClr="000000"/>
+              </a:solidFill>
+            </a:endParaRPr>
+          </a:p>
+        </p:txBody>
+      </p:sp>
+      <p:cxnSp>
+        <p:nvCxnSpPr>
+          <p:cNvPr id="170" name="Straight Arrow Connector 169"/>
+          <p:cNvCxnSpPr>
+            <a:stCxn id="159" idx="0"/>
+            <a:endCxn id="169" idx="2"/>
+          </p:cNvCxnSpPr>
+          <p:nvPr/>
+        </p:nvCxnSpPr>
+        <p:spPr>
+          <a:xfrm rot="5400000" flipH="1" flipV="1">
+            <a:off x="20455762" y="4355250"/>
+            <a:ext cx="909644" cy="1588"/>
+          </a:xfrm>
+          <a:prstGeom prst="straightConnector1">
+            <a:avLst/>
+          </a:prstGeom>
+          <a:ln w="19050">
+            <a:solidFill>
+              <a:schemeClr val="bg1">
+                <a:lumMod val="50000"/>
+              </a:schemeClr>
+            </a:solidFill>
+            <a:headEnd type="none" w="med" len="med"/>
+            <a:tailEnd type="triangle" w="med" len="med"/>
+          </a:ln>
+        </p:spPr>
+        <p:style>
+          <a:lnRef idx="1">
+            <a:schemeClr val="accent1"/>
+          </a:lnRef>
+          <a:fillRef idx="0">
+            <a:schemeClr val="accent1"/>
+          </a:fillRef>
+          <a:effectRef idx="0">
+            <a:schemeClr val="accent1"/>
+          </a:effectRef>
+          <a:fontRef idx="minor">
+            <a:schemeClr val="tx1"/>
+          </a:fontRef>
+        </p:style>
+      </p:cxnSp>
+      <p:cxnSp>
+        <p:nvCxnSpPr>
+          <p:cNvPr id="175" name="Straight Arrow Connector 174"/>
+          <p:cNvCxnSpPr>
+            <a:endCxn id="254" idx="4"/>
+          </p:cNvCxnSpPr>
+          <p:nvPr/>
+        </p:nvCxnSpPr>
+        <p:spPr>
+          <a:xfrm rot="16200000" flipV="1">
+            <a:off x="21142759" y="2683207"/>
+            <a:ext cx="1900248" cy="794"/>
+          </a:xfrm>
+          <a:prstGeom prst="straightConnector1">
+            <a:avLst/>
+          </a:prstGeom>
+          <a:ln w="19050">
+            <a:solidFill>
+              <a:schemeClr val="bg1">
+                <a:lumMod val="50000"/>
+              </a:schemeClr>
+            </a:solidFill>
+            <a:headEnd type="none" w="med" len="med"/>
+            <a:tailEnd type="none" w="med" len="med"/>
+          </a:ln>
+        </p:spPr>
+        <p:style>
+          <a:lnRef idx="1">
+            <a:schemeClr val="accent1"/>
+          </a:lnRef>
+          <a:fillRef idx="0">
+            <a:schemeClr val="accent1"/>
+          </a:fillRef>
+          <a:effectRef idx="0">
+            <a:schemeClr val="accent1"/>
+          </a:effectRef>
+          <a:fontRef idx="minor">
+            <a:schemeClr val="tx1"/>
+          </a:fontRef>
+        </p:style>
+      </p:cxnSp>
+      <p:cxnSp>
+        <p:nvCxnSpPr>
+          <p:cNvPr id="178" name="Straight Arrow Connector 177"/>
+          <p:cNvCxnSpPr>
+            <a:stCxn id="254" idx="2"/>
+            <a:endCxn id="151" idx="6"/>
+          </p:cNvCxnSpPr>
+          <p:nvPr/>
+        </p:nvCxnSpPr>
+        <p:spPr>
+          <a:xfrm rot="10800000">
+            <a:off x="18472172" y="1642198"/>
+            <a:ext cx="3530620" cy="1588"/>
+          </a:xfrm>
+          <a:prstGeom prst="straightConnector1">
+            <a:avLst/>
+          </a:prstGeom>
+          <a:ln w="19050">
+            <a:solidFill>
+              <a:schemeClr val="bg1">
+                <a:lumMod val="50000"/>
+              </a:schemeClr>
+            </a:solidFill>
+            <a:headEnd type="none" w="med" len="med"/>
+            <a:tailEnd type="triangle" w="med" len="med"/>
+          </a:ln>
+        </p:spPr>
+        <p:style>
+          <a:lnRef idx="1">
+            <a:schemeClr val="accent1"/>
+          </a:lnRef>
+          <a:fillRef idx="0">
+            <a:schemeClr val="accent1"/>
+          </a:fillRef>
+          <a:effectRef idx="0">
+            <a:schemeClr val="accent1"/>
+          </a:effectRef>
+          <a:fontRef idx="minor">
+            <a:schemeClr val="tx1"/>
+          </a:fontRef>
+        </p:style>
+      </p:cxnSp>
+      <p:sp>
+        <p:nvSpPr>
+          <p:cNvPr id="184" name="Flowchart: Process 183"/>
+          <p:cNvSpPr/>
+          <p:nvPr/>
+        </p:nvSpPr>
+        <p:spPr>
+          <a:xfrm>
+            <a:off x="17659368" y="7258012"/>
+            <a:ext cx="1435103" cy="538164"/>
+          </a:xfrm>
+          <a:prstGeom prst="flowChartProcess">
+            <a:avLst/>
+          </a:prstGeom>
+          <a:solidFill>
+            <a:schemeClr val="accent3">
+              <a:lumMod val="60000"/>
+              <a:lumOff val="40000"/>
+            </a:schemeClr>
+          </a:solidFill>
+          <a:ln>
+            <a:solidFill>
+              <a:schemeClr val="accent3">
+                <a:lumMod val="75000"/>
+              </a:schemeClr>
+            </a:solidFill>
+          </a:ln>
+        </p:spPr>
+        <p:style>
+          <a:lnRef idx="2">
+            <a:schemeClr val="accent1">
+              <a:shade val="50000"/>
+            </a:schemeClr>
+          </a:lnRef>
+          <a:fillRef idx="1">
+            <a:schemeClr val="accent1"/>
+          </a:fillRef>
+          <a:effectRef idx="0">
+            <a:schemeClr val="accent1"/>
+          </a:effectRef>
+          <a:fontRef idx="minor">
+            <a:schemeClr val="lt1"/>
+          </a:fontRef>
+        </p:style>
+        <p:txBody>
+          <a:bodyPr vert="horz" lIns="91431" tIns="45715" rIns="91431" bIns="45715" rtlCol="0" anchor="ctr"/>
+          <a:lstStyle/>
+          <a:p>
+            <a:pPr algn="ctr"/>
+            <a:r>
+              <a:rPr lang="en-GB" sz="900" dirty="0" smtClean="0">
+                <a:solidFill>
+                  <a:sysClr val="windowText" lastClr="000000"/>
+                </a:solidFill>
+              </a:rPr>
+              <a:t>Unlock </a:t>
+            </a:r>
+            <a:r>
+              <a:rPr lang="en-GB" sz="900" dirty="0" smtClean="0">
+                <a:solidFill>
+                  <a:schemeClr val="tx1"/>
+                </a:solidFill>
+              </a:rPr>
+              <a:t>execution </a:t>
+            </a:r>
+            <a:r>
+              <a:rPr lang="en-GB" sz="900" dirty="0" smtClean="0">
+                <a:solidFill>
+                  <a:sysClr val="windowText" lastClr="000000"/>
+                </a:solidFill>
+              </a:rPr>
+              <a:t>queue</a:t>
+            </a:r>
+            <a:endParaRPr lang="en-GB" sz="900" dirty="0">
+              <a:solidFill>
+                <a:sysClr val="windowText" lastClr="000000"/>
+              </a:solidFill>
+            </a:endParaRPr>
+          </a:p>
+        </p:txBody>
+      </p:sp>
+      <p:sp>
+        <p:nvSpPr>
+          <p:cNvPr id="185" name="Flowchart: Data 184"/>
+          <p:cNvSpPr/>
+          <p:nvPr/>
+        </p:nvSpPr>
+        <p:spPr>
+          <a:xfrm>
+            <a:off x="17659368" y="6167392"/>
+            <a:ext cx="1447808" cy="452440"/>
+          </a:xfrm>
+          <a:prstGeom prst="flowChartInputOutput">
+            <a:avLst/>
+          </a:prstGeom>
+          <a:solidFill>
+            <a:schemeClr val="accent5">
+              <a:lumMod val="40000"/>
+              <a:lumOff val="60000"/>
+            </a:schemeClr>
+          </a:solidFill>
+          <a:ln>
+            <a:solidFill>
+              <a:schemeClr val="accent5">
+                <a:lumMod val="60000"/>
+                <a:lumOff val="40000"/>
+              </a:schemeClr>
+            </a:solidFill>
+          </a:ln>
+        </p:spPr>
+        <p:style>
+          <a:lnRef idx="2">
+            <a:schemeClr val="accent1">
+              <a:shade val="50000"/>
+            </a:schemeClr>
+          </a:lnRef>
+          <a:fillRef idx="1">
+            <a:schemeClr val="accent1"/>
+          </a:fillRef>
+          <a:effectRef idx="0">
+            <a:schemeClr val="accent1"/>
+          </a:effectRef>
+          <a:fontRef idx="minor">
+            <a:schemeClr val="lt1"/>
+          </a:fontRef>
+        </p:style>
+        <p:txBody>
+          <a:bodyPr rtlCol="0" anchor="ctr"/>
+          <a:lstStyle/>
+          <a:p>
+            <a:pPr algn="ctr"/>
+            <a:r>
+              <a:rPr lang="en-GB" sz="900" dirty="0" smtClean="0">
+                <a:solidFill>
+                  <a:schemeClr val="tx1"/>
+                </a:solidFill>
+              </a:rPr>
+              <a:t>Pop task from execution queue</a:t>
+            </a:r>
+            <a:endParaRPr lang="en-GB" sz="900" dirty="0">
+              <a:solidFill>
+                <a:schemeClr val="tx1"/>
+              </a:solidFill>
+            </a:endParaRPr>
+          </a:p>
+        </p:txBody>
+      </p:sp>
+      <p:cxnSp>
+        <p:nvCxnSpPr>
+          <p:cNvPr id="186" name="Straight Arrow Connector 185"/>
+          <p:cNvCxnSpPr>
+            <a:stCxn id="158" idx="2"/>
+            <a:endCxn id="185" idx="1"/>
+          </p:cNvCxnSpPr>
+          <p:nvPr/>
+        </p:nvCxnSpPr>
+        <p:spPr>
+          <a:xfrm rot="16200000" flipH="1">
+            <a:off x="18058624" y="5842744"/>
+            <a:ext cx="641356" cy="7940"/>
+          </a:xfrm>
+          <a:prstGeom prst="straightConnector1">
+            <a:avLst/>
+          </a:prstGeom>
+          <a:ln w="19050">
+            <a:solidFill>
+              <a:schemeClr val="bg1">
+                <a:lumMod val="50000"/>
+              </a:schemeClr>
+            </a:solidFill>
+            <a:headEnd type="none" w="med" len="med"/>
+            <a:tailEnd type="triangle" w="med" len="med"/>
+          </a:ln>
+        </p:spPr>
+        <p:style>
+          <a:lnRef idx="1">
+            <a:schemeClr val="accent1"/>
+          </a:lnRef>
+          <a:fillRef idx="0">
+            <a:schemeClr val="accent1"/>
+          </a:fillRef>
+          <a:effectRef idx="0">
+            <a:schemeClr val="accent1"/>
+          </a:effectRef>
+          <a:fontRef idx="minor">
+            <a:schemeClr val="tx1"/>
+          </a:fontRef>
+        </p:style>
+      </p:cxnSp>
+      <p:cxnSp>
+        <p:nvCxnSpPr>
+          <p:cNvPr id="189" name="Straight Arrow Connector 188"/>
+          <p:cNvCxnSpPr>
+            <a:stCxn id="185" idx="4"/>
+            <a:endCxn id="184" idx="0"/>
+          </p:cNvCxnSpPr>
+          <p:nvPr/>
+        </p:nvCxnSpPr>
+        <p:spPr>
+          <a:xfrm rot="5400000">
+            <a:off x="18061006" y="6935746"/>
+            <a:ext cx="638180" cy="6352"/>
+          </a:xfrm>
+          <a:prstGeom prst="straightConnector1">
+            <a:avLst/>
+          </a:prstGeom>
+          <a:ln w="19050">
+            <a:solidFill>
+              <a:schemeClr val="bg1">
+                <a:lumMod val="50000"/>
+              </a:schemeClr>
+            </a:solidFill>
+            <a:headEnd type="none" w="med" len="med"/>
+            <a:tailEnd type="triangle" w="med" len="med"/>
+          </a:ln>
+        </p:spPr>
+        <p:style>
+          <a:lnRef idx="1">
+            <a:schemeClr val="accent1"/>
+          </a:lnRef>
+          <a:fillRef idx="0">
+            <a:schemeClr val="accent1"/>
+          </a:fillRef>
+          <a:effectRef idx="0">
+            <a:schemeClr val="accent1"/>
+          </a:effectRef>
+          <a:fontRef idx="minor">
+            <a:schemeClr val="tx1"/>
+          </a:fontRef>
+        </p:style>
+      </p:cxnSp>
+      <p:sp>
+        <p:nvSpPr>
+          <p:cNvPr id="197" name="Flowchart: Decision 196"/>
+          <p:cNvSpPr/>
+          <p:nvPr/>
+        </p:nvSpPr>
+        <p:spPr>
+          <a:xfrm>
+            <a:off x="19921568" y="7080212"/>
+            <a:ext cx="1793880" cy="896940"/>
+          </a:xfrm>
+          <a:prstGeom prst="flowChartDecision">
+            <a:avLst/>
+          </a:prstGeom>
+          <a:solidFill>
+            <a:schemeClr val="accent6">
+              <a:lumMod val="40000"/>
+              <a:lumOff val="60000"/>
+            </a:schemeClr>
+          </a:solidFill>
+          <a:ln>
+            <a:solidFill>
+              <a:schemeClr val="accent6">
+                <a:lumMod val="60000"/>
+                <a:lumOff val="40000"/>
+              </a:schemeClr>
+            </a:solidFill>
+          </a:ln>
+        </p:spPr>
+        <p:style>
+          <a:lnRef idx="2">
+            <a:schemeClr val="accent1">
+              <a:shade val="50000"/>
+            </a:schemeClr>
+          </a:lnRef>
+          <a:fillRef idx="1">
+            <a:schemeClr val="accent1"/>
+          </a:fillRef>
+          <a:effectRef idx="0">
+            <a:schemeClr val="accent1"/>
+          </a:effectRef>
+          <a:fontRef idx="minor">
+            <a:schemeClr val="lt1"/>
+          </a:fontRef>
+        </p:style>
+        <p:txBody>
+          <a:bodyPr lIns="91431" tIns="45715" rIns="91431" bIns="45715" rtlCol="0" anchor="ctr"/>
+          <a:lstStyle/>
+          <a:p>
+            <a:pPr algn="ctr"/>
+            <a:r>
+              <a:rPr lang="en-GB" sz="900" dirty="0" smtClean="0">
+                <a:solidFill>
+                  <a:schemeClr val="tx1"/>
+                </a:solidFill>
+              </a:rPr>
+              <a:t>Current state of the task?</a:t>
+            </a:r>
+            <a:endParaRPr lang="en-GB" sz="900" dirty="0">
+              <a:solidFill>
+                <a:schemeClr val="tx1"/>
+              </a:solidFill>
+            </a:endParaRPr>
+          </a:p>
+        </p:txBody>
+      </p:sp>
+      <p:cxnSp>
+        <p:nvCxnSpPr>
+          <p:cNvPr id="198" name="Straight Arrow Connector 197"/>
+          <p:cNvCxnSpPr>
+            <a:stCxn id="184" idx="3"/>
+            <a:endCxn id="197" idx="1"/>
+          </p:cNvCxnSpPr>
+          <p:nvPr/>
+        </p:nvCxnSpPr>
+        <p:spPr>
+          <a:xfrm>
+            <a:off x="19094471" y="7527094"/>
+            <a:ext cx="827097" cy="1588"/>
+          </a:xfrm>
+          <a:prstGeom prst="straightConnector1">
+            <a:avLst/>
+          </a:prstGeom>
+          <a:ln w="19050">
+            <a:solidFill>
+              <a:schemeClr val="bg1">
+                <a:lumMod val="50000"/>
+              </a:schemeClr>
+            </a:solidFill>
+            <a:headEnd type="none" w="med" len="med"/>
+            <a:tailEnd type="triangle" w="med" len="med"/>
+          </a:ln>
+        </p:spPr>
+        <p:style>
+          <a:lnRef idx="1">
+            <a:schemeClr val="accent1"/>
+          </a:lnRef>
+          <a:fillRef idx="0">
+            <a:schemeClr val="accent1"/>
+          </a:fillRef>
+          <a:effectRef idx="0">
+            <a:schemeClr val="accent1"/>
+          </a:effectRef>
+          <a:fontRef idx="minor">
+            <a:schemeClr val="tx1"/>
+          </a:fontRef>
+        </p:style>
+      </p:cxnSp>
+      <p:sp>
+        <p:nvSpPr>
+          <p:cNvPr id="204" name="Flowchart: Process 203"/>
+          <p:cNvSpPr/>
+          <p:nvPr/>
+        </p:nvSpPr>
+        <p:spPr>
+          <a:xfrm>
+            <a:off x="22286961" y="7253247"/>
+            <a:ext cx="1435103" cy="538164"/>
+          </a:xfrm>
+          <a:prstGeom prst="flowChartProcess">
+            <a:avLst/>
+          </a:prstGeom>
+          <a:solidFill>
+            <a:schemeClr val="accent3">
+              <a:lumMod val="60000"/>
+              <a:lumOff val="40000"/>
+            </a:schemeClr>
+          </a:solidFill>
+          <a:ln>
+            <a:solidFill>
+              <a:schemeClr val="accent3">
+                <a:lumMod val="75000"/>
+              </a:schemeClr>
+            </a:solidFill>
+          </a:ln>
+        </p:spPr>
+        <p:style>
+          <a:lnRef idx="2">
+            <a:schemeClr val="accent1">
+              <a:shade val="50000"/>
+            </a:schemeClr>
+          </a:lnRef>
+          <a:fillRef idx="1">
+            <a:schemeClr val="accent1"/>
+          </a:fillRef>
+          <a:effectRef idx="0">
+            <a:schemeClr val="accent1"/>
+          </a:effectRef>
+          <a:fontRef idx="minor">
+            <a:schemeClr val="lt1"/>
+          </a:fontRef>
+        </p:style>
+        <p:txBody>
+          <a:bodyPr vert="horz" lIns="91431" tIns="45715" rIns="91431" bIns="45715" rtlCol="0" anchor="ctr"/>
+          <a:lstStyle/>
+          <a:p>
+            <a:pPr algn="ctr"/>
+            <a:r>
+              <a:rPr lang="en-GB" sz="900" dirty="0" smtClean="0">
+                <a:solidFill>
+                  <a:sysClr val="windowText" lastClr="000000"/>
+                </a:solidFill>
+              </a:rPr>
+              <a:t>Resume task</a:t>
+            </a:r>
+            <a:endParaRPr lang="en-GB" sz="900" dirty="0">
+              <a:solidFill>
+                <a:sysClr val="windowText" lastClr="000000"/>
+              </a:solidFill>
+            </a:endParaRPr>
+          </a:p>
+        </p:txBody>
+      </p:sp>
+      <p:sp>
+        <p:nvSpPr>
+          <p:cNvPr id="205" name="Flowchart: Process 204"/>
+          <p:cNvSpPr/>
+          <p:nvPr/>
+        </p:nvSpPr>
+        <p:spPr>
+          <a:xfrm>
+            <a:off x="20102544" y="6076904"/>
+            <a:ext cx="1435103" cy="538164"/>
+          </a:xfrm>
+          <a:prstGeom prst="flowChartProcess">
+            <a:avLst/>
+          </a:prstGeom>
+          <a:solidFill>
+            <a:schemeClr val="accent3">
+              <a:lumMod val="60000"/>
+              <a:lumOff val="40000"/>
+            </a:schemeClr>
+          </a:solidFill>
+          <a:ln>
+            <a:solidFill>
+              <a:schemeClr val="accent3">
+                <a:lumMod val="75000"/>
+              </a:schemeClr>
+            </a:solidFill>
+          </a:ln>
+        </p:spPr>
+        <p:style>
+          <a:lnRef idx="2">
+            <a:schemeClr val="accent1">
+              <a:shade val="50000"/>
+            </a:schemeClr>
+          </a:lnRef>
+          <a:fillRef idx="1">
+            <a:schemeClr val="accent1"/>
+          </a:fillRef>
+          <a:effectRef idx="0">
+            <a:schemeClr val="accent1"/>
+          </a:effectRef>
+          <a:fontRef idx="minor">
+            <a:schemeClr val="lt1"/>
+          </a:fontRef>
+        </p:style>
+        <p:txBody>
+          <a:bodyPr vert="horz" lIns="91431" tIns="45715" rIns="91431" bIns="45715" rtlCol="0" anchor="ctr"/>
+          <a:lstStyle/>
+          <a:p>
+            <a:pPr algn="ctr"/>
+            <a:r>
+              <a:rPr lang="en-GB" sz="900" dirty="0" smtClean="0">
+                <a:solidFill>
+                  <a:sysClr val="windowText" lastClr="000000"/>
+                </a:solidFill>
+              </a:rPr>
+              <a:t>Execute task</a:t>
+            </a:r>
+            <a:endParaRPr lang="en-GB" sz="900" dirty="0">
+              <a:solidFill>
+                <a:sysClr val="windowText" lastClr="000000"/>
+              </a:solidFill>
+            </a:endParaRPr>
+          </a:p>
+        </p:txBody>
+      </p:sp>
+      <p:cxnSp>
+        <p:nvCxnSpPr>
+          <p:cNvPr id="206" name="Straight Arrow Connector 205"/>
+          <p:cNvCxnSpPr>
+            <a:stCxn id="197" idx="3"/>
+            <a:endCxn id="204" idx="1"/>
+          </p:cNvCxnSpPr>
+          <p:nvPr/>
+        </p:nvCxnSpPr>
+        <p:spPr>
+          <a:xfrm flipV="1">
+            <a:off x="21715448" y="7522329"/>
+            <a:ext cx="571513" cy="6353"/>
+          </a:xfrm>
+          <a:prstGeom prst="straightConnector1">
+            <a:avLst/>
+          </a:prstGeom>
+          <a:ln w="19050">
+            <a:solidFill>
+              <a:schemeClr val="bg1">
+                <a:lumMod val="50000"/>
+              </a:schemeClr>
+            </a:solidFill>
+            <a:headEnd type="none" w="med" len="med"/>
+            <a:tailEnd type="triangle" w="med" len="med"/>
+          </a:ln>
+        </p:spPr>
+        <p:style>
+          <a:lnRef idx="1">
+            <a:schemeClr val="accent1"/>
+          </a:lnRef>
+          <a:fillRef idx="0">
+            <a:schemeClr val="accent1"/>
+          </a:fillRef>
+          <a:effectRef idx="0">
+            <a:schemeClr val="accent1"/>
+          </a:effectRef>
+          <a:fontRef idx="minor">
+            <a:schemeClr val="tx1"/>
+          </a:fontRef>
+        </p:style>
+      </p:cxnSp>
+      <p:sp>
+        <p:nvSpPr>
+          <p:cNvPr id="207" name="Flowchart: Process 206"/>
+          <p:cNvSpPr/>
+          <p:nvPr/>
+        </p:nvSpPr>
+        <p:spPr>
+          <a:xfrm>
+            <a:off x="21821817" y="7253248"/>
+            <a:ext cx="271463" cy="633417"/>
+          </a:xfrm>
+          <a:prstGeom prst="flowChartProcess">
+            <a:avLst/>
+          </a:prstGeom>
+          <a:solidFill>
+            <a:schemeClr val="bg1"/>
+          </a:solidFill>
+          <a:ln>
+            <a:noFill/>
+          </a:ln>
+        </p:spPr>
+        <p:style>
+          <a:lnRef idx="2">
+            <a:schemeClr val="accent1">
+              <a:shade val="50000"/>
+            </a:schemeClr>
+          </a:lnRef>
+          <a:fillRef idx="1">
+            <a:schemeClr val="accent1"/>
+          </a:fillRef>
+          <a:effectRef idx="0">
+            <a:schemeClr val="accent1"/>
+          </a:effectRef>
+          <a:fontRef idx="minor">
+            <a:schemeClr val="lt1"/>
+          </a:fontRef>
+        </p:style>
+        <p:txBody>
+          <a:bodyPr vert="vert" lIns="91431" tIns="45715" rIns="91431" bIns="45715" rtlCol="0" anchor="ctr"/>
+          <a:lstStyle/>
+          <a:p>
+            <a:pPr algn="ctr"/>
+            <a:r>
+              <a:rPr lang="en-GB" sz="900" dirty="0" smtClean="0">
+                <a:solidFill>
+                  <a:schemeClr val="bg1">
+                    <a:lumMod val="50000"/>
+                  </a:schemeClr>
+                </a:solidFill>
+              </a:rPr>
+              <a:t>PAUSED</a:t>
+            </a:r>
+            <a:endParaRPr lang="en-GB" sz="900" dirty="0">
+              <a:solidFill>
+                <a:schemeClr val="bg1">
+                  <a:lumMod val="50000"/>
+                </a:schemeClr>
+              </a:solidFill>
+            </a:endParaRPr>
+          </a:p>
+        </p:txBody>
+      </p:sp>
+      <p:cxnSp>
+        <p:nvCxnSpPr>
+          <p:cNvPr id="211" name="Straight Arrow Connector 210"/>
+          <p:cNvCxnSpPr>
+            <a:stCxn id="197" idx="0"/>
+            <a:endCxn id="205" idx="2"/>
+          </p:cNvCxnSpPr>
+          <p:nvPr/>
+        </p:nvCxnSpPr>
+        <p:spPr>
+          <a:xfrm rot="5400000" flipH="1" flipV="1">
+            <a:off x="20586730" y="6846846"/>
+            <a:ext cx="465144" cy="1588"/>
+          </a:xfrm>
+          <a:prstGeom prst="straightConnector1">
+            <a:avLst/>
+          </a:prstGeom>
+          <a:ln w="19050">
+            <a:solidFill>
+              <a:schemeClr val="bg1">
+                <a:lumMod val="50000"/>
+              </a:schemeClr>
+            </a:solidFill>
+            <a:headEnd type="none" w="med" len="med"/>
+            <a:tailEnd type="triangle" w="med" len="med"/>
+          </a:ln>
+        </p:spPr>
+        <p:style>
+          <a:lnRef idx="1">
+            <a:schemeClr val="accent1"/>
+          </a:lnRef>
+          <a:fillRef idx="0">
+            <a:schemeClr val="accent1"/>
+          </a:fillRef>
+          <a:effectRef idx="0">
+            <a:schemeClr val="accent1"/>
+          </a:effectRef>
+          <a:fontRef idx="minor">
+            <a:schemeClr val="tx1"/>
+          </a:fontRef>
+        </p:style>
+      </p:cxnSp>
+      <p:sp>
+        <p:nvSpPr>
+          <p:cNvPr id="212" name="Flowchart: Process 211"/>
+          <p:cNvSpPr/>
+          <p:nvPr/>
+        </p:nvSpPr>
+        <p:spPr>
+          <a:xfrm>
+            <a:off x="20464496" y="6800808"/>
+            <a:ext cx="638175" cy="180976"/>
+          </a:xfrm>
+          <a:prstGeom prst="flowChartProcess">
+            <a:avLst/>
+          </a:prstGeom>
+          <a:solidFill>
+            <a:schemeClr val="bg1"/>
+          </a:solidFill>
+          <a:ln>
+            <a:noFill/>
+          </a:ln>
+        </p:spPr>
+        <p:style>
+          <a:lnRef idx="2">
+            <a:schemeClr val="accent1">
+              <a:shade val="50000"/>
+            </a:schemeClr>
+          </a:lnRef>
+          <a:fillRef idx="1">
+            <a:schemeClr val="accent1"/>
+          </a:fillRef>
+          <a:effectRef idx="0">
+            <a:schemeClr val="accent1"/>
+          </a:effectRef>
+          <a:fontRef idx="minor">
+            <a:schemeClr val="lt1"/>
+          </a:fontRef>
+        </p:style>
+        <p:txBody>
+          <a:bodyPr lIns="91431" tIns="45715" rIns="91431" bIns="45715" rtlCol="0" anchor="ctr"/>
+          <a:lstStyle/>
+          <a:p>
+            <a:pPr algn="ctr"/>
+            <a:r>
+              <a:rPr lang="en-GB" sz="900" dirty="0" smtClean="0">
+                <a:solidFill>
+                  <a:schemeClr val="bg1">
+                    <a:lumMod val="50000"/>
+                  </a:schemeClr>
+                </a:solidFill>
+              </a:rPr>
+              <a:t>EXECUTE</a:t>
+            </a:r>
+            <a:endParaRPr lang="en-GB" sz="900" dirty="0">
+              <a:solidFill>
+                <a:schemeClr val="bg1">
+                  <a:lumMod val="50000"/>
+                </a:schemeClr>
+              </a:solidFill>
+            </a:endParaRPr>
+          </a:p>
+        </p:txBody>
+      </p:sp>
+      <p:sp>
+        <p:nvSpPr>
+          <p:cNvPr id="224" name="Flowchart: Decision 223"/>
+          <p:cNvSpPr/>
+          <p:nvPr/>
+        </p:nvSpPr>
+        <p:spPr>
+          <a:xfrm>
+            <a:off x="22109160" y="5895928"/>
+            <a:ext cx="1793880" cy="896940"/>
+          </a:xfrm>
+          <a:prstGeom prst="flowChartDecision">
+            <a:avLst/>
+          </a:prstGeom>
+          <a:solidFill>
+            <a:schemeClr val="accent6">
+              <a:lumMod val="40000"/>
+              <a:lumOff val="60000"/>
+            </a:schemeClr>
+          </a:solidFill>
+          <a:ln>
+            <a:solidFill>
+              <a:schemeClr val="accent6">
+                <a:lumMod val="60000"/>
+                <a:lumOff val="40000"/>
+              </a:schemeClr>
+            </a:solidFill>
+          </a:ln>
+        </p:spPr>
+        <p:style>
+          <a:lnRef idx="2">
+            <a:schemeClr val="accent1">
+              <a:shade val="50000"/>
+            </a:schemeClr>
+          </a:lnRef>
+          <a:fillRef idx="1">
+            <a:schemeClr val="accent1"/>
+          </a:fillRef>
+          <a:effectRef idx="0">
+            <a:schemeClr val="accent1"/>
+          </a:effectRef>
+          <a:fontRef idx="minor">
+            <a:schemeClr val="lt1"/>
+          </a:fontRef>
+        </p:style>
+        <p:txBody>
+          <a:bodyPr lIns="91431" tIns="45715" rIns="91431" bIns="45715" rtlCol="0" anchor="ctr"/>
+          <a:lstStyle/>
+          <a:p>
+            <a:pPr algn="ctr"/>
+            <a:r>
+              <a:rPr lang="en-GB" sz="900" dirty="0" smtClean="0">
+                <a:solidFill>
+                  <a:schemeClr val="tx1"/>
+                </a:solidFill>
+              </a:rPr>
+              <a:t>Current state of the task?</a:t>
+            </a:r>
+            <a:endParaRPr lang="en-GB" sz="900" dirty="0">
+              <a:solidFill>
+                <a:schemeClr val="tx1"/>
+              </a:solidFill>
+            </a:endParaRPr>
+          </a:p>
+        </p:txBody>
+      </p:sp>
+      <p:cxnSp>
+        <p:nvCxnSpPr>
+          <p:cNvPr id="225" name="Straight Arrow Connector 224"/>
+          <p:cNvCxnSpPr>
+            <a:stCxn id="204" idx="0"/>
+            <a:endCxn id="224" idx="2"/>
+          </p:cNvCxnSpPr>
+          <p:nvPr/>
+        </p:nvCxnSpPr>
+        <p:spPr>
+          <a:xfrm rot="5400000" flipH="1" flipV="1">
+            <a:off x="22775117" y="7022265"/>
+            <a:ext cx="460379" cy="1587"/>
+          </a:xfrm>
+          <a:prstGeom prst="straightConnector1">
+            <a:avLst/>
+          </a:prstGeom>
+          <a:ln w="19050">
+            <a:solidFill>
+              <a:schemeClr val="bg1">
+                <a:lumMod val="50000"/>
+              </a:schemeClr>
+            </a:solidFill>
+            <a:headEnd type="none" w="med" len="med"/>
+            <a:tailEnd type="triangle" w="med" len="med"/>
+          </a:ln>
+        </p:spPr>
+        <p:style>
+          <a:lnRef idx="1">
+            <a:schemeClr val="accent1"/>
+          </a:lnRef>
+          <a:fillRef idx="0">
+            <a:schemeClr val="accent1"/>
+          </a:fillRef>
+          <a:effectRef idx="0">
+            <a:schemeClr val="accent1"/>
+          </a:effectRef>
+          <a:fontRef idx="minor">
+            <a:schemeClr val="tx1"/>
+          </a:fontRef>
+        </p:style>
+      </p:cxnSp>
+      <p:cxnSp>
+        <p:nvCxnSpPr>
+          <p:cNvPr id="228" name="Straight Arrow Connector 227"/>
+          <p:cNvCxnSpPr>
+            <a:stCxn id="205" idx="3"/>
+            <a:endCxn id="224" idx="1"/>
+          </p:cNvCxnSpPr>
+          <p:nvPr/>
+        </p:nvCxnSpPr>
+        <p:spPr>
+          <a:xfrm flipV="1">
+            <a:off x="21537647" y="6344398"/>
+            <a:ext cx="571513" cy="1588"/>
+          </a:xfrm>
+          <a:prstGeom prst="straightConnector1">
+            <a:avLst/>
+          </a:prstGeom>
+          <a:ln w="19050">
+            <a:solidFill>
+              <a:schemeClr val="bg1">
+                <a:lumMod val="50000"/>
+              </a:schemeClr>
+            </a:solidFill>
+            <a:headEnd type="none" w="med" len="med"/>
+            <a:tailEnd type="triangle" w="med" len="med"/>
+          </a:ln>
+        </p:spPr>
+        <p:style>
+          <a:lnRef idx="1">
+            <a:schemeClr val="accent1"/>
+          </a:lnRef>
+          <a:fillRef idx="0">
+            <a:schemeClr val="accent1"/>
+          </a:fillRef>
+          <a:effectRef idx="0">
+            <a:schemeClr val="accent1"/>
+          </a:effectRef>
+          <a:fontRef idx="minor">
+            <a:schemeClr val="tx1"/>
+          </a:fontRef>
+        </p:style>
+      </p:cxnSp>
+      <p:sp>
+        <p:nvSpPr>
+          <p:cNvPr id="235" name="Flowchart: Process 234"/>
+          <p:cNvSpPr/>
+          <p:nvPr/>
+        </p:nvSpPr>
+        <p:spPr>
+          <a:xfrm>
+            <a:off x="22286961" y="4357632"/>
+            <a:ext cx="1435103" cy="538164"/>
+          </a:xfrm>
+          <a:prstGeom prst="flowChartProcess">
+            <a:avLst/>
+          </a:prstGeom>
+          <a:solidFill>
+            <a:schemeClr val="accent3">
+              <a:lumMod val="60000"/>
+              <a:lumOff val="40000"/>
+            </a:schemeClr>
+          </a:solidFill>
+          <a:ln>
+            <a:solidFill>
+              <a:schemeClr val="accent3">
+                <a:lumMod val="75000"/>
+              </a:schemeClr>
+            </a:solidFill>
+          </a:ln>
+        </p:spPr>
+        <p:style>
+          <a:lnRef idx="2">
+            <a:schemeClr val="accent1">
+              <a:shade val="50000"/>
+            </a:schemeClr>
+          </a:lnRef>
+          <a:fillRef idx="1">
+            <a:schemeClr val="accent1"/>
+          </a:fillRef>
+          <a:effectRef idx="0">
+            <a:schemeClr val="accent1"/>
+          </a:effectRef>
+          <a:fontRef idx="minor">
+            <a:schemeClr val="lt1"/>
+          </a:fontRef>
+        </p:style>
+        <p:txBody>
+          <a:bodyPr vert="horz" lIns="91431" tIns="45715" rIns="91431" bIns="45715" rtlCol="0" anchor="ctr"/>
+          <a:lstStyle/>
+          <a:p>
+            <a:pPr algn="ctr"/>
+            <a:r>
+              <a:rPr lang="en-GB" sz="900" dirty="0">
+                <a:solidFill>
+                  <a:sysClr val="windowText" lastClr="000000"/>
+                </a:solidFill>
+              </a:rPr>
+              <a:t>Lock </a:t>
+            </a:r>
+            <a:r>
+              <a:rPr lang="en-GB" sz="900" dirty="0" smtClean="0">
+                <a:solidFill>
+                  <a:schemeClr val="tx1"/>
+                </a:solidFill>
+              </a:rPr>
+              <a:t>post-execute </a:t>
+            </a:r>
+            <a:r>
+              <a:rPr lang="en-GB" sz="900" dirty="0" smtClean="0">
+                <a:solidFill>
+                  <a:sysClr val="windowText" lastClr="000000"/>
+                </a:solidFill>
+              </a:rPr>
+              <a:t>queue</a:t>
+            </a:r>
+            <a:endParaRPr lang="en-GB" sz="900" dirty="0">
+              <a:solidFill>
+                <a:sysClr val="windowText" lastClr="000000"/>
+              </a:solidFill>
+            </a:endParaRPr>
+          </a:p>
+        </p:txBody>
+      </p:sp>
+      <p:sp>
+        <p:nvSpPr>
+          <p:cNvPr id="236" name="Flowchart: Process 235"/>
+          <p:cNvSpPr/>
+          <p:nvPr/>
+        </p:nvSpPr>
+        <p:spPr>
+          <a:xfrm>
+            <a:off x="24174504" y="4357632"/>
+            <a:ext cx="1435103" cy="538164"/>
+          </a:xfrm>
+          <a:prstGeom prst="flowChartProcess">
+            <a:avLst/>
+          </a:prstGeom>
+          <a:solidFill>
+            <a:schemeClr val="accent3">
+              <a:lumMod val="60000"/>
+              <a:lumOff val="40000"/>
+            </a:schemeClr>
+          </a:solidFill>
+          <a:ln>
+            <a:solidFill>
+              <a:schemeClr val="accent3">
+                <a:lumMod val="75000"/>
+              </a:schemeClr>
+            </a:solidFill>
+          </a:ln>
+        </p:spPr>
+        <p:style>
+          <a:lnRef idx="2">
+            <a:schemeClr val="accent1">
+              <a:shade val="50000"/>
+            </a:schemeClr>
+          </a:lnRef>
+          <a:fillRef idx="1">
+            <a:schemeClr val="accent1"/>
+          </a:fillRef>
+          <a:effectRef idx="0">
+            <a:schemeClr val="accent1"/>
+          </a:effectRef>
+          <a:fontRef idx="minor">
+            <a:schemeClr val="lt1"/>
+          </a:fontRef>
+        </p:style>
+        <p:txBody>
+          <a:bodyPr vert="horz" lIns="91431" tIns="45715" rIns="91431" bIns="45715" rtlCol="0" anchor="ctr"/>
+          <a:lstStyle/>
+          <a:p>
+            <a:pPr algn="ctr"/>
+            <a:r>
+              <a:rPr lang="en-GB" sz="900" dirty="0">
+                <a:solidFill>
+                  <a:sysClr val="windowText" lastClr="000000"/>
+                </a:solidFill>
+              </a:rPr>
+              <a:t>Lock </a:t>
+            </a:r>
+            <a:r>
+              <a:rPr lang="en-GB" sz="900" dirty="0" smtClean="0">
+                <a:solidFill>
+                  <a:schemeClr val="tx1"/>
+                </a:solidFill>
+              </a:rPr>
+              <a:t>paused </a:t>
+            </a:r>
+            <a:r>
+              <a:rPr lang="en-GB" sz="900" dirty="0" smtClean="0">
+                <a:solidFill>
+                  <a:sysClr val="windowText" lastClr="000000"/>
+                </a:solidFill>
+              </a:rPr>
+              <a:t>queue</a:t>
+            </a:r>
+            <a:endParaRPr lang="en-GB" sz="900" dirty="0">
+              <a:solidFill>
+                <a:sysClr val="windowText" lastClr="000000"/>
+              </a:solidFill>
+            </a:endParaRPr>
+          </a:p>
+        </p:txBody>
+      </p:sp>
+      <p:sp>
+        <p:nvSpPr>
+          <p:cNvPr id="237" name="Flowchart: Process 236"/>
+          <p:cNvSpPr/>
+          <p:nvPr/>
+        </p:nvSpPr>
+        <p:spPr>
+          <a:xfrm>
+            <a:off x="22274256" y="2638360"/>
+            <a:ext cx="1435103" cy="538164"/>
+          </a:xfrm>
+          <a:prstGeom prst="flowChartProcess">
+            <a:avLst/>
+          </a:prstGeom>
+          <a:solidFill>
+            <a:schemeClr val="accent3">
+              <a:lumMod val="60000"/>
+              <a:lumOff val="40000"/>
+            </a:schemeClr>
+          </a:solidFill>
+          <a:ln>
+            <a:solidFill>
+              <a:schemeClr val="accent3">
+                <a:lumMod val="75000"/>
+              </a:schemeClr>
+            </a:solidFill>
+          </a:ln>
+        </p:spPr>
+        <p:style>
+          <a:lnRef idx="2">
+            <a:schemeClr val="accent1">
+              <a:shade val="50000"/>
+            </a:schemeClr>
+          </a:lnRef>
+          <a:fillRef idx="1">
+            <a:schemeClr val="accent1"/>
+          </a:fillRef>
+          <a:effectRef idx="0">
+            <a:schemeClr val="accent1"/>
+          </a:effectRef>
+          <a:fontRef idx="minor">
+            <a:schemeClr val="lt1"/>
+          </a:fontRef>
+        </p:style>
+        <p:txBody>
+          <a:bodyPr vert="horz" lIns="91431" tIns="45715" rIns="91431" bIns="45715" rtlCol="0" anchor="ctr"/>
+          <a:lstStyle/>
+          <a:p>
+            <a:pPr algn="ctr"/>
+            <a:r>
+              <a:rPr lang="en-GB" sz="900" dirty="0" smtClean="0">
+                <a:solidFill>
+                  <a:sysClr val="windowText" lastClr="000000"/>
+                </a:solidFill>
+              </a:rPr>
+              <a:t>Unlock </a:t>
+            </a:r>
+            <a:r>
+              <a:rPr lang="en-GB" sz="900" dirty="0" smtClean="0">
+                <a:solidFill>
+                  <a:schemeClr val="tx1"/>
+                </a:solidFill>
+              </a:rPr>
+              <a:t>post-execute </a:t>
+            </a:r>
+            <a:r>
+              <a:rPr lang="en-GB" sz="900" dirty="0" smtClean="0">
+                <a:solidFill>
+                  <a:sysClr val="windowText" lastClr="000000"/>
+                </a:solidFill>
+              </a:rPr>
+              <a:t>queue</a:t>
+            </a:r>
+            <a:endParaRPr lang="en-GB" sz="900" dirty="0">
+              <a:solidFill>
+                <a:sysClr val="windowText" lastClr="000000"/>
+              </a:solidFill>
+            </a:endParaRPr>
+          </a:p>
+        </p:txBody>
+      </p:sp>
+      <p:sp>
+        <p:nvSpPr>
+          <p:cNvPr id="238" name="Flowchart: Process 237"/>
+          <p:cNvSpPr/>
+          <p:nvPr/>
+        </p:nvSpPr>
+        <p:spPr>
+          <a:xfrm>
+            <a:off x="24174504" y="2638360"/>
+            <a:ext cx="1435103" cy="538164"/>
+          </a:xfrm>
+          <a:prstGeom prst="flowChartProcess">
+            <a:avLst/>
+          </a:prstGeom>
+          <a:solidFill>
+            <a:schemeClr val="accent3">
+              <a:lumMod val="60000"/>
+              <a:lumOff val="40000"/>
+            </a:schemeClr>
+          </a:solidFill>
+          <a:ln>
+            <a:solidFill>
+              <a:schemeClr val="accent3">
+                <a:lumMod val="75000"/>
+              </a:schemeClr>
+            </a:solidFill>
+          </a:ln>
+        </p:spPr>
+        <p:style>
+          <a:lnRef idx="2">
+            <a:schemeClr val="accent1">
+              <a:shade val="50000"/>
+            </a:schemeClr>
+          </a:lnRef>
+          <a:fillRef idx="1">
+            <a:schemeClr val="accent1"/>
+          </a:fillRef>
+          <a:effectRef idx="0">
+            <a:schemeClr val="accent1"/>
+          </a:effectRef>
+          <a:fontRef idx="minor">
+            <a:schemeClr val="lt1"/>
+          </a:fontRef>
+        </p:style>
+        <p:txBody>
+          <a:bodyPr vert="horz" lIns="91431" tIns="45715" rIns="91431" bIns="45715" rtlCol="0" anchor="ctr"/>
+          <a:lstStyle/>
+          <a:p>
+            <a:pPr algn="ctr"/>
+            <a:r>
+              <a:rPr lang="en-GB" sz="900" dirty="0" smtClean="0">
+                <a:solidFill>
+                  <a:sysClr val="windowText" lastClr="000000"/>
+                </a:solidFill>
+              </a:rPr>
+              <a:t>Unlock </a:t>
+            </a:r>
+            <a:r>
+              <a:rPr lang="en-GB" sz="900" dirty="0" smtClean="0">
+                <a:solidFill>
+                  <a:schemeClr val="tx1"/>
+                </a:solidFill>
+              </a:rPr>
+              <a:t>paused </a:t>
+            </a:r>
+            <a:r>
+              <a:rPr lang="en-GB" sz="900" dirty="0" smtClean="0">
+                <a:solidFill>
+                  <a:sysClr val="windowText" lastClr="000000"/>
+                </a:solidFill>
+              </a:rPr>
+              <a:t>queue</a:t>
+            </a:r>
+            <a:endParaRPr lang="en-GB" sz="900" dirty="0">
+              <a:solidFill>
+                <a:sysClr val="windowText" lastClr="000000"/>
+              </a:solidFill>
+            </a:endParaRPr>
+          </a:p>
+        </p:txBody>
+      </p:sp>
+      <p:sp>
+        <p:nvSpPr>
+          <p:cNvPr id="239" name="Flowchart: Data 238"/>
+          <p:cNvSpPr/>
+          <p:nvPr/>
+        </p:nvSpPr>
+        <p:spPr>
+          <a:xfrm>
+            <a:off x="22274256" y="3543240"/>
+            <a:ext cx="1447808" cy="452440"/>
+          </a:xfrm>
+          <a:prstGeom prst="flowChartInputOutput">
+            <a:avLst/>
+          </a:prstGeom>
+          <a:solidFill>
+            <a:schemeClr val="accent5">
+              <a:lumMod val="40000"/>
+              <a:lumOff val="60000"/>
+            </a:schemeClr>
+          </a:solidFill>
+          <a:ln>
+            <a:solidFill>
+              <a:schemeClr val="accent5">
+                <a:lumMod val="60000"/>
+                <a:lumOff val="40000"/>
+              </a:schemeClr>
+            </a:solidFill>
+          </a:ln>
+        </p:spPr>
+        <p:style>
+          <a:lnRef idx="2">
+            <a:schemeClr val="accent1">
+              <a:shade val="50000"/>
+            </a:schemeClr>
+          </a:lnRef>
+          <a:fillRef idx="1">
+            <a:schemeClr val="accent1"/>
+          </a:fillRef>
+          <a:effectRef idx="0">
+            <a:schemeClr val="accent1"/>
+          </a:effectRef>
+          <a:fontRef idx="minor">
+            <a:schemeClr val="lt1"/>
+          </a:fontRef>
+        </p:style>
+        <p:txBody>
+          <a:bodyPr rtlCol="0" anchor="ctr"/>
+          <a:lstStyle/>
+          <a:p>
+            <a:pPr algn="ctr"/>
+            <a:r>
+              <a:rPr lang="en-GB" sz="900" dirty="0" smtClean="0">
+                <a:solidFill>
+                  <a:schemeClr val="tx1"/>
+                </a:solidFill>
+              </a:rPr>
+              <a:t>Push task to post-execute queue</a:t>
+            </a:r>
+            <a:endParaRPr lang="en-GB" sz="900" dirty="0">
+              <a:solidFill>
+                <a:schemeClr val="tx1"/>
+              </a:solidFill>
+            </a:endParaRPr>
+          </a:p>
+        </p:txBody>
+      </p:sp>
+      <p:sp>
+        <p:nvSpPr>
+          <p:cNvPr id="241" name="Flowchart: Data 240"/>
+          <p:cNvSpPr/>
+          <p:nvPr/>
+        </p:nvSpPr>
+        <p:spPr>
+          <a:xfrm>
+            <a:off x="24174504" y="3543240"/>
+            <a:ext cx="1447808" cy="452440"/>
+          </a:xfrm>
+          <a:prstGeom prst="flowChartInputOutput">
+            <a:avLst/>
+          </a:prstGeom>
+          <a:solidFill>
+            <a:schemeClr val="accent5">
+              <a:lumMod val="40000"/>
+              <a:lumOff val="60000"/>
+            </a:schemeClr>
+          </a:solidFill>
+          <a:ln>
+            <a:solidFill>
+              <a:schemeClr val="accent5">
+                <a:lumMod val="60000"/>
+                <a:lumOff val="40000"/>
+              </a:schemeClr>
+            </a:solidFill>
+          </a:ln>
+        </p:spPr>
+        <p:style>
+          <a:lnRef idx="2">
+            <a:schemeClr val="accent1">
+              <a:shade val="50000"/>
+            </a:schemeClr>
+          </a:lnRef>
+          <a:fillRef idx="1">
+            <a:schemeClr val="accent1"/>
+          </a:fillRef>
+          <a:effectRef idx="0">
+            <a:schemeClr val="accent1"/>
+          </a:effectRef>
+          <a:fontRef idx="minor">
+            <a:schemeClr val="lt1"/>
+          </a:fontRef>
+        </p:style>
+        <p:txBody>
+          <a:bodyPr rtlCol="0" anchor="ctr"/>
+          <a:lstStyle/>
+          <a:p>
+            <a:pPr algn="ctr"/>
+            <a:r>
+              <a:rPr lang="en-GB" sz="900" dirty="0" smtClean="0">
+                <a:solidFill>
+                  <a:schemeClr val="tx1"/>
+                </a:solidFill>
+              </a:rPr>
+              <a:t>Push task to paused queue</a:t>
+            </a:r>
+            <a:endParaRPr lang="en-GB" sz="900" dirty="0">
+              <a:solidFill>
+                <a:schemeClr val="tx1"/>
+              </a:solidFill>
+            </a:endParaRPr>
+          </a:p>
+        </p:txBody>
+      </p:sp>
+      <p:cxnSp>
+        <p:nvCxnSpPr>
+          <p:cNvPr id="242" name="Straight Arrow Connector 241"/>
+          <p:cNvCxnSpPr>
+            <a:stCxn id="235" idx="0"/>
+            <a:endCxn id="239" idx="4"/>
+          </p:cNvCxnSpPr>
+          <p:nvPr/>
+        </p:nvCxnSpPr>
+        <p:spPr>
+          <a:xfrm rot="16200000" flipV="1">
+            <a:off x="22820361" y="4173479"/>
+            <a:ext cx="361952" cy="6353"/>
+          </a:xfrm>
+          <a:prstGeom prst="straightConnector1">
+            <a:avLst/>
+          </a:prstGeom>
+          <a:ln w="19050">
+            <a:solidFill>
+              <a:schemeClr val="bg1">
+                <a:lumMod val="50000"/>
+              </a:schemeClr>
+            </a:solidFill>
+            <a:headEnd type="none" w="med" len="med"/>
+            <a:tailEnd type="triangle" w="med" len="med"/>
+          </a:ln>
+        </p:spPr>
+        <p:style>
+          <a:lnRef idx="1">
+            <a:schemeClr val="accent1"/>
+          </a:lnRef>
+          <a:fillRef idx="0">
+            <a:schemeClr val="accent1"/>
+          </a:fillRef>
+          <a:effectRef idx="0">
+            <a:schemeClr val="accent1"/>
+          </a:effectRef>
+          <a:fontRef idx="minor">
+            <a:schemeClr val="tx1"/>
+          </a:fontRef>
+        </p:style>
+      </p:cxnSp>
+      <p:cxnSp>
+        <p:nvCxnSpPr>
+          <p:cNvPr id="245" name="Straight Arrow Connector 244"/>
+          <p:cNvCxnSpPr>
+            <a:stCxn id="239" idx="1"/>
+            <a:endCxn id="237" idx="2"/>
+          </p:cNvCxnSpPr>
+          <p:nvPr/>
+        </p:nvCxnSpPr>
+        <p:spPr>
+          <a:xfrm rot="16200000" flipV="1">
+            <a:off x="22811626" y="3356706"/>
+            <a:ext cx="366716" cy="6352"/>
+          </a:xfrm>
+          <a:prstGeom prst="straightConnector1">
+            <a:avLst/>
+          </a:prstGeom>
+          <a:ln w="19050">
+            <a:solidFill>
+              <a:schemeClr val="bg1">
+                <a:lumMod val="50000"/>
+              </a:schemeClr>
+            </a:solidFill>
+            <a:headEnd type="none" w="med" len="med"/>
+            <a:tailEnd type="triangle" w="med" len="med"/>
+          </a:ln>
+        </p:spPr>
+        <p:style>
+          <a:lnRef idx="1">
+            <a:schemeClr val="accent1"/>
+          </a:lnRef>
+          <a:fillRef idx="0">
+            <a:schemeClr val="accent1"/>
+          </a:fillRef>
+          <a:effectRef idx="0">
+            <a:schemeClr val="accent1"/>
+          </a:effectRef>
+          <a:fontRef idx="minor">
+            <a:schemeClr val="tx1"/>
+          </a:fontRef>
+        </p:style>
+      </p:cxnSp>
+      <p:cxnSp>
+        <p:nvCxnSpPr>
+          <p:cNvPr id="248" name="Straight Arrow Connector 247"/>
+          <p:cNvCxnSpPr>
+            <a:stCxn id="241" idx="1"/>
+            <a:endCxn id="238" idx="2"/>
+          </p:cNvCxnSpPr>
+          <p:nvPr/>
+        </p:nvCxnSpPr>
+        <p:spPr>
+          <a:xfrm rot="16200000" flipV="1">
+            <a:off x="24711874" y="3356706"/>
+            <a:ext cx="366716" cy="6352"/>
+          </a:xfrm>
+          <a:prstGeom prst="straightConnector1">
+            <a:avLst/>
+          </a:prstGeom>
+          <a:ln w="19050">
+            <a:solidFill>
+              <a:schemeClr val="bg1">
+                <a:lumMod val="50000"/>
+              </a:schemeClr>
+            </a:solidFill>
+            <a:headEnd type="none" w="med" len="med"/>
+            <a:tailEnd type="triangle" w="med" len="med"/>
+          </a:ln>
+        </p:spPr>
+        <p:style>
+          <a:lnRef idx="1">
+            <a:schemeClr val="accent1"/>
+          </a:lnRef>
+          <a:fillRef idx="0">
+            <a:schemeClr val="accent1"/>
+          </a:fillRef>
+          <a:effectRef idx="0">
+            <a:schemeClr val="accent1"/>
+          </a:effectRef>
+          <a:fontRef idx="minor">
+            <a:schemeClr val="tx1"/>
+          </a:fontRef>
+        </p:style>
+      </p:cxnSp>
+      <p:cxnSp>
+        <p:nvCxnSpPr>
+          <p:cNvPr id="251" name="Straight Arrow Connector 250"/>
+          <p:cNvCxnSpPr>
+            <a:stCxn id="236" idx="0"/>
+            <a:endCxn id="241" idx="4"/>
+          </p:cNvCxnSpPr>
+          <p:nvPr/>
+        </p:nvCxnSpPr>
+        <p:spPr>
+          <a:xfrm rot="5400000" flipH="1" flipV="1">
+            <a:off x="24714256" y="4173480"/>
+            <a:ext cx="361952" cy="6352"/>
+          </a:xfrm>
+          <a:prstGeom prst="straightConnector1">
+            <a:avLst/>
+          </a:prstGeom>
+          <a:ln w="19050">
+            <a:solidFill>
+              <a:schemeClr val="bg1">
+                <a:lumMod val="50000"/>
+              </a:schemeClr>
+            </a:solidFill>
+            <a:headEnd type="none" w="med" len="med"/>
+            <a:tailEnd type="triangle" w="med" len="med"/>
+          </a:ln>
+        </p:spPr>
+        <p:style>
+          <a:lnRef idx="1">
+            <a:schemeClr val="accent1"/>
+          </a:lnRef>
+          <a:fillRef idx="0">
+            <a:schemeClr val="accent1"/>
+          </a:fillRef>
+          <a:effectRef idx="0">
+            <a:schemeClr val="accent1"/>
+          </a:effectRef>
+          <a:fontRef idx="minor">
+            <a:schemeClr val="tx1"/>
+          </a:fontRef>
+        </p:style>
+      </p:cxnSp>
+      <p:sp>
+        <p:nvSpPr>
+          <p:cNvPr id="254" name="Flowchart: Connector 253"/>
+          <p:cNvSpPr/>
+          <p:nvPr/>
+        </p:nvSpPr>
+        <p:spPr>
+          <a:xfrm>
+            <a:off x="22002792" y="1554092"/>
+            <a:ext cx="179388" cy="179388"/>
+          </a:xfrm>
+          <a:prstGeom prst="flowChartConnector">
+            <a:avLst/>
+          </a:prstGeom>
+          <a:solidFill>
+            <a:schemeClr val="bg1">
+              <a:lumMod val="75000"/>
+            </a:schemeClr>
+          </a:solidFill>
+          <a:ln>
+            <a:solidFill>
+              <a:schemeClr val="bg1">
+                <a:lumMod val="50000"/>
+              </a:schemeClr>
+            </a:solidFill>
+          </a:ln>
+        </p:spPr>
+        <p:style>
+          <a:lnRef idx="2">
+            <a:schemeClr val="accent1">
+              <a:shade val="50000"/>
+            </a:schemeClr>
+          </a:lnRef>
+          <a:fillRef idx="1">
+            <a:schemeClr val="accent1"/>
+          </a:fillRef>
+          <a:effectRef idx="0">
+            <a:schemeClr val="accent1"/>
+          </a:effectRef>
+          <a:fontRef idx="minor">
+            <a:schemeClr val="lt1"/>
+          </a:fontRef>
+        </p:style>
+        <p:txBody>
+          <a:bodyPr lIns="91431" tIns="45715" rIns="91431" bIns="45715" rtlCol="0" anchor="ctr"/>
+          <a:lstStyle/>
+          <a:p>
+            <a:pPr algn="ctr"/>
+            <a:endParaRPr lang="en-GB" dirty="0"/>
+          </a:p>
+        </p:txBody>
+      </p:sp>
+      <p:cxnSp>
+        <p:nvCxnSpPr>
+          <p:cNvPr id="309" name="Straight Arrow Connector 308"/>
+          <p:cNvCxnSpPr>
+            <a:endCxn id="236" idx="2"/>
+          </p:cNvCxnSpPr>
+          <p:nvPr/>
+        </p:nvCxnSpPr>
+        <p:spPr>
+          <a:xfrm rot="16200000" flipV="1">
+            <a:off x="24168946" y="5618906"/>
+            <a:ext cx="1452572" cy="6352"/>
+          </a:xfrm>
+          <a:prstGeom prst="straightConnector1">
+            <a:avLst/>
+          </a:prstGeom>
+          <a:ln w="19050">
+            <a:solidFill>
+              <a:schemeClr val="bg1">
+                <a:lumMod val="50000"/>
+              </a:schemeClr>
+            </a:solidFill>
+            <a:headEnd type="none" w="med" len="med"/>
+            <a:tailEnd type="triangle" w="med" len="med"/>
+          </a:ln>
+        </p:spPr>
+        <p:style>
+          <a:lnRef idx="1">
+            <a:schemeClr val="accent1"/>
+          </a:lnRef>
+          <a:fillRef idx="0">
+            <a:schemeClr val="accent1"/>
+          </a:fillRef>
+          <a:effectRef idx="0">
+            <a:schemeClr val="accent1"/>
+          </a:effectRef>
+          <a:fontRef idx="minor">
+            <a:schemeClr val="tx1"/>
+          </a:fontRef>
+        </p:style>
+      </p:cxnSp>
+      <p:cxnSp>
+        <p:nvCxnSpPr>
+          <p:cNvPr id="314" name="Straight Arrow Connector 313"/>
+          <p:cNvCxnSpPr>
+            <a:stCxn id="204" idx="0"/>
+            <a:endCxn id="224" idx="2"/>
+          </p:cNvCxnSpPr>
+          <p:nvPr/>
+        </p:nvCxnSpPr>
+        <p:spPr>
+          <a:xfrm rot="5400000" flipH="1" flipV="1">
+            <a:off x="22775117" y="7022265"/>
+            <a:ext cx="460379" cy="1587"/>
+          </a:xfrm>
+          <a:prstGeom prst="straightConnector1">
+            <a:avLst/>
+          </a:prstGeom>
+          <a:ln w="19050">
+            <a:solidFill>
+              <a:schemeClr val="bg1">
+                <a:lumMod val="50000"/>
+              </a:schemeClr>
+            </a:solidFill>
+            <a:headEnd type="none" w="med" len="med"/>
+            <a:tailEnd type="none" w="med" len="med"/>
+          </a:ln>
+        </p:spPr>
+        <p:style>
+          <a:lnRef idx="1">
+            <a:schemeClr val="accent1"/>
+          </a:lnRef>
+          <a:fillRef idx="0">
+            <a:schemeClr val="accent1"/>
+          </a:fillRef>
+          <a:effectRef idx="0">
+            <a:schemeClr val="accent1"/>
+          </a:effectRef>
+          <a:fontRef idx="minor">
+            <a:schemeClr val="tx1"/>
+          </a:fontRef>
+        </p:style>
+      </p:cxnSp>
+      <p:sp>
+        <p:nvSpPr>
+          <p:cNvPr id="321" name="Flowchart: Connector 320"/>
+          <p:cNvSpPr/>
+          <p:nvPr/>
+        </p:nvSpPr>
+        <p:spPr>
+          <a:xfrm>
+            <a:off x="23812552" y="2097020"/>
+            <a:ext cx="179388" cy="179388"/>
+          </a:xfrm>
+          <a:prstGeom prst="flowChartConnector">
+            <a:avLst/>
+          </a:prstGeom>
+          <a:solidFill>
+            <a:schemeClr val="bg1">
+              <a:lumMod val="75000"/>
+            </a:schemeClr>
+          </a:solidFill>
+          <a:ln>
+            <a:solidFill>
+              <a:schemeClr val="bg1">
+                <a:lumMod val="50000"/>
+              </a:schemeClr>
+            </a:solidFill>
+          </a:ln>
+        </p:spPr>
+        <p:style>
+          <a:lnRef idx="2">
+            <a:schemeClr val="accent1">
+              <a:shade val="50000"/>
+            </a:schemeClr>
+          </a:lnRef>
+          <a:fillRef idx="1">
+            <a:schemeClr val="accent1"/>
+          </a:fillRef>
+          <a:effectRef idx="0">
+            <a:schemeClr val="accent1"/>
+          </a:effectRef>
+          <a:fontRef idx="minor">
+            <a:schemeClr val="lt1"/>
+          </a:fontRef>
+        </p:style>
+        <p:txBody>
+          <a:bodyPr lIns="91431" tIns="45715" rIns="91431" bIns="45715" rtlCol="0" anchor="ctr"/>
+          <a:lstStyle/>
+          <a:p>
+            <a:pPr algn="ctr"/>
+            <a:endParaRPr lang="en-GB" dirty="0"/>
+          </a:p>
+        </p:txBody>
+      </p:sp>
+      <p:cxnSp>
+        <p:nvCxnSpPr>
+          <p:cNvPr id="322" name="Straight Arrow Connector 321"/>
+          <p:cNvCxnSpPr>
+            <a:endCxn id="237" idx="0"/>
+          </p:cNvCxnSpPr>
+          <p:nvPr/>
+        </p:nvCxnSpPr>
+        <p:spPr>
+          <a:xfrm rot="5400000">
+            <a:off x="22768764" y="2408964"/>
+            <a:ext cx="452440" cy="6352"/>
+          </a:xfrm>
+          <a:prstGeom prst="straightConnector1">
+            <a:avLst/>
+          </a:prstGeom>
+          <a:ln w="19050">
+            <a:solidFill>
+              <a:schemeClr val="bg1">
+                <a:lumMod val="50000"/>
+              </a:schemeClr>
+            </a:solidFill>
+            <a:headEnd type="none" w="med" len="med"/>
+            <a:tailEnd type="none" w="med" len="med"/>
+          </a:ln>
+        </p:spPr>
+        <p:style>
+          <a:lnRef idx="1">
+            <a:schemeClr val="accent1"/>
+          </a:lnRef>
+          <a:fillRef idx="0">
+            <a:schemeClr val="accent1"/>
+          </a:fillRef>
+          <a:effectRef idx="0">
+            <a:schemeClr val="accent1"/>
+          </a:effectRef>
+          <a:fontRef idx="minor">
+            <a:schemeClr val="tx1"/>
+          </a:fontRef>
+        </p:style>
+      </p:cxnSp>
+      <p:cxnSp>
+        <p:nvCxnSpPr>
+          <p:cNvPr id="325" name="Straight Arrow Connector 324"/>
+          <p:cNvCxnSpPr>
+            <a:stCxn id="238" idx="0"/>
+          </p:cNvCxnSpPr>
+          <p:nvPr/>
+        </p:nvCxnSpPr>
+        <p:spPr>
+          <a:xfrm rot="5400000" flipH="1" flipV="1">
+            <a:off x="24669012" y="2408964"/>
+            <a:ext cx="452440" cy="6352"/>
+          </a:xfrm>
+          <a:prstGeom prst="straightConnector1">
+            <a:avLst/>
+          </a:prstGeom>
+          <a:ln w="19050">
+            <a:solidFill>
+              <a:schemeClr val="bg1">
+                <a:lumMod val="50000"/>
+              </a:schemeClr>
+            </a:solidFill>
+            <a:headEnd type="none" w="med" len="med"/>
+            <a:tailEnd type="none" w="med" len="med"/>
+          </a:ln>
+        </p:spPr>
+        <p:style>
+          <a:lnRef idx="1">
+            <a:schemeClr val="accent1"/>
+          </a:lnRef>
+          <a:fillRef idx="0">
+            <a:schemeClr val="accent1"/>
+          </a:fillRef>
+          <a:effectRef idx="0">
+            <a:schemeClr val="accent1"/>
+          </a:effectRef>
+          <a:fontRef idx="minor">
+            <a:schemeClr val="tx1"/>
+          </a:fontRef>
+        </p:style>
+      </p:cxnSp>
+      <p:cxnSp>
+        <p:nvCxnSpPr>
+          <p:cNvPr id="328" name="Straight Arrow Connector 327"/>
+          <p:cNvCxnSpPr>
+            <a:endCxn id="321" idx="2"/>
+          </p:cNvCxnSpPr>
+          <p:nvPr/>
+        </p:nvCxnSpPr>
+        <p:spPr>
+          <a:xfrm>
+            <a:off x="22998160" y="2185920"/>
+            <a:ext cx="814392" cy="794"/>
+          </a:xfrm>
+          <a:prstGeom prst="straightConnector1">
+            <a:avLst/>
+          </a:prstGeom>
+          <a:ln w="19050">
+            <a:solidFill>
+              <a:schemeClr val="bg1">
+                <a:lumMod val="50000"/>
+              </a:schemeClr>
+            </a:solidFill>
+            <a:headEnd type="none" w="med" len="med"/>
+            <a:tailEnd type="triangle" w="med" len="med"/>
+          </a:ln>
+        </p:spPr>
+        <p:style>
+          <a:lnRef idx="1">
+            <a:schemeClr val="accent1"/>
+          </a:lnRef>
+          <a:fillRef idx="0">
+            <a:schemeClr val="accent1"/>
+          </a:fillRef>
+          <a:effectRef idx="0">
+            <a:schemeClr val="accent1"/>
+          </a:effectRef>
+          <a:fontRef idx="minor">
+            <a:schemeClr val="tx1"/>
+          </a:fontRef>
+        </p:style>
+      </p:cxnSp>
+      <p:cxnSp>
+        <p:nvCxnSpPr>
+          <p:cNvPr id="331" name="Straight Arrow Connector 330"/>
+          <p:cNvCxnSpPr>
+            <a:endCxn id="321" idx="6"/>
+          </p:cNvCxnSpPr>
+          <p:nvPr/>
+        </p:nvCxnSpPr>
+        <p:spPr>
+          <a:xfrm rot="10800000">
+            <a:off x="23991940" y="2186714"/>
+            <a:ext cx="906468" cy="794"/>
+          </a:xfrm>
+          <a:prstGeom prst="straightConnector1">
+            <a:avLst/>
+          </a:prstGeom>
+          <a:ln w="19050">
+            <a:solidFill>
+              <a:schemeClr val="bg1">
+                <a:lumMod val="50000"/>
+              </a:schemeClr>
+            </a:solidFill>
+            <a:headEnd type="none" w="med" len="med"/>
+            <a:tailEnd type="triangle" w="med" len="med"/>
+          </a:ln>
+        </p:spPr>
+        <p:style>
+          <a:lnRef idx="1">
+            <a:schemeClr val="accent1"/>
+          </a:lnRef>
+          <a:fillRef idx="0">
+            <a:schemeClr val="accent1"/>
+          </a:fillRef>
+          <a:effectRef idx="0">
+            <a:schemeClr val="accent1"/>
+          </a:effectRef>
+          <a:fontRef idx="minor">
+            <a:schemeClr val="tx1"/>
+          </a:fontRef>
+        </p:style>
+      </p:cxnSp>
+      <p:cxnSp>
+        <p:nvCxnSpPr>
+          <p:cNvPr id="336" name="Straight Arrow Connector 335"/>
+          <p:cNvCxnSpPr>
+            <a:endCxn id="321" idx="0"/>
+          </p:cNvCxnSpPr>
+          <p:nvPr/>
+        </p:nvCxnSpPr>
+        <p:spPr>
+          <a:xfrm rot="5400000">
+            <a:off x="23675629" y="1869609"/>
+            <a:ext cx="454028" cy="794"/>
+          </a:xfrm>
+          <a:prstGeom prst="straightConnector1">
+            <a:avLst/>
+          </a:prstGeom>
+          <a:ln w="19050">
+            <a:solidFill>
+              <a:schemeClr val="bg1">
+                <a:lumMod val="50000"/>
+              </a:schemeClr>
+            </a:solidFill>
+            <a:headEnd type="none" w="med" len="med"/>
+            <a:tailEnd type="none" w="med" len="med"/>
+          </a:ln>
+        </p:spPr>
+        <p:style>
+          <a:lnRef idx="1">
+            <a:schemeClr val="accent1"/>
+          </a:lnRef>
+          <a:fillRef idx="0">
+            <a:schemeClr val="accent1"/>
+          </a:fillRef>
+          <a:effectRef idx="0">
+            <a:schemeClr val="accent1"/>
+          </a:effectRef>
+          <a:fontRef idx="minor">
+            <a:schemeClr val="tx1"/>
+          </a:fontRef>
+        </p:style>
+      </p:cxnSp>
+      <p:cxnSp>
+        <p:nvCxnSpPr>
+          <p:cNvPr id="339" name="Straight Arrow Connector 338"/>
+          <p:cNvCxnSpPr>
+            <a:endCxn id="254" idx="6"/>
+          </p:cNvCxnSpPr>
+          <p:nvPr/>
+        </p:nvCxnSpPr>
+        <p:spPr>
+          <a:xfrm rot="10800000" flipV="1">
+            <a:off x="22182180" y="1642992"/>
+            <a:ext cx="1720860" cy="794"/>
+          </a:xfrm>
+          <a:prstGeom prst="straightConnector1">
+            <a:avLst/>
+          </a:prstGeom>
+          <a:ln w="19050">
+            <a:solidFill>
+              <a:schemeClr val="bg1">
+                <a:lumMod val="50000"/>
+              </a:schemeClr>
+            </a:solidFill>
+            <a:headEnd type="none" w="med" len="med"/>
+            <a:tailEnd type="triangle" w="med" len="med"/>
+          </a:ln>
+        </p:spPr>
+        <p:style>
+          <a:lnRef idx="1">
+            <a:schemeClr val="accent1"/>
+          </a:lnRef>
+          <a:fillRef idx="0">
+            <a:schemeClr val="accent1"/>
+          </a:fillRef>
+          <a:effectRef idx="0">
+            <a:schemeClr val="accent1"/>
+          </a:effectRef>
+          <a:fontRef idx="minor">
+            <a:schemeClr val="tx1"/>
+          </a:fontRef>
+        </p:style>
+      </p:cxnSp>
+      <p:sp>
+        <p:nvSpPr>
+          <p:cNvPr id="343" name="Flowchart: Process 342"/>
+          <p:cNvSpPr/>
+          <p:nvPr/>
+        </p:nvSpPr>
+        <p:spPr>
+          <a:xfrm>
+            <a:off x="17206928" y="466648"/>
+            <a:ext cx="8777336" cy="7872456"/>
+          </a:xfrm>
+          <a:prstGeom prst="flowChartProcess">
+            <a:avLst/>
+          </a:prstGeom>
+          <a:noFill/>
+          <a:ln>
+            <a:solidFill>
+              <a:schemeClr val="bg1">
+                <a:lumMod val="75000"/>
+              </a:schemeClr>
+            </a:solidFill>
+            <a:prstDash val="dash"/>
+          </a:ln>
+        </p:spPr>
+        <p:style>
+          <a:lnRef idx="2">
+            <a:schemeClr val="accent1">
+              <a:shade val="50000"/>
+            </a:schemeClr>
+          </a:lnRef>
+          <a:fillRef idx="1">
+            <a:schemeClr val="accent1"/>
+          </a:fillRef>
+          <a:effectRef idx="0">
+            <a:schemeClr val="accent1"/>
+          </a:effectRef>
+          <a:fontRef idx="minor">
+            <a:schemeClr val="lt1"/>
+          </a:fontRef>
+        </p:style>
+        <p:txBody>
+          <a:bodyPr rtlCol="0" anchor="ctr"/>
+          <a:lstStyle/>
+          <a:p>
+            <a:pPr algn="ctr"/>
+            <a:endParaRPr lang="en-GB"/>
+          </a:p>
+        </p:txBody>
+      </p:sp>
+      <p:sp>
+        <p:nvSpPr>
+          <p:cNvPr id="345" name="Flowchart: Process 344"/>
+          <p:cNvSpPr/>
+          <p:nvPr/>
+        </p:nvSpPr>
+        <p:spPr>
+          <a:xfrm>
+            <a:off x="19288152" y="285672"/>
+            <a:ext cx="1809760" cy="468349"/>
+          </a:xfrm>
+          <a:prstGeom prst="flowChartProcess">
+            <a:avLst/>
+          </a:prstGeom>
+          <a:solidFill>
+            <a:schemeClr val="bg1"/>
+          </a:solidFill>
+          <a:ln>
+            <a:noFill/>
+          </a:ln>
+        </p:spPr>
+        <p:style>
+          <a:lnRef idx="2">
+            <a:schemeClr val="accent1">
+              <a:shade val="50000"/>
+            </a:schemeClr>
+          </a:lnRef>
+          <a:fillRef idx="1">
+            <a:schemeClr val="accent1"/>
+          </a:fillRef>
+          <a:effectRef idx="0">
+            <a:schemeClr val="accent1"/>
+          </a:effectRef>
+          <a:fontRef idx="minor">
+            <a:schemeClr val="lt1"/>
+          </a:fontRef>
+        </p:style>
+        <p:txBody>
+          <a:bodyPr lIns="91431" tIns="45715" rIns="91431" bIns="45715" rtlCol="0" anchor="ctr"/>
+          <a:lstStyle/>
+          <a:p>
+            <a:r>
+              <a:rPr lang="en-GB" sz="2000" dirty="0" smtClean="0">
+                <a:solidFill>
+                  <a:schemeClr val="bg1">
+                    <a:lumMod val="50000"/>
+                  </a:schemeClr>
+                </a:solidFill>
+              </a:rPr>
+              <a:t>Worker Thread</a:t>
+            </a:r>
+            <a:endParaRPr lang="en-GB" sz="900" dirty="0">
+              <a:solidFill>
+                <a:schemeClr val="bg1">
+                  <a:lumMod val="50000"/>
+                </a:schemeClr>
+              </a:solidFill>
+            </a:endParaRPr>
+          </a:p>
+        </p:txBody>
+      </p:sp>
+      <p:cxnSp>
+        <p:nvCxnSpPr>
+          <p:cNvPr id="391" name="Straight Arrow Connector 390"/>
+          <p:cNvCxnSpPr>
+            <a:endCxn id="224" idx="3"/>
+          </p:cNvCxnSpPr>
+          <p:nvPr/>
+        </p:nvCxnSpPr>
+        <p:spPr>
+          <a:xfrm rot="10800000">
+            <a:off x="23903040" y="6344398"/>
+            <a:ext cx="995368" cy="3970"/>
+          </a:xfrm>
+          <a:prstGeom prst="straightConnector1">
+            <a:avLst/>
+          </a:prstGeom>
+          <a:ln w="19050">
+            <a:solidFill>
+              <a:schemeClr val="bg1">
+                <a:lumMod val="50000"/>
+              </a:schemeClr>
+            </a:solidFill>
+            <a:headEnd type="none" w="med" len="med"/>
+            <a:tailEnd type="none" w="med" len="med"/>
+          </a:ln>
+        </p:spPr>
+        <p:style>
+          <a:lnRef idx="1">
+            <a:schemeClr val="accent1"/>
+          </a:lnRef>
+          <a:fillRef idx="0">
+            <a:schemeClr val="accent1"/>
+          </a:fillRef>
+          <a:effectRef idx="0">
+            <a:schemeClr val="accent1"/>
+          </a:effectRef>
+          <a:fontRef idx="minor">
+            <a:schemeClr val="tx1"/>
+          </a:fontRef>
+        </p:style>
+      </p:cxnSp>
+      <p:sp>
+        <p:nvSpPr>
+          <p:cNvPr id="320" name="Flowchart: Process 319"/>
+          <p:cNvSpPr/>
+          <p:nvPr/>
+        </p:nvSpPr>
+        <p:spPr>
+          <a:xfrm>
+            <a:off x="24084016" y="6257880"/>
+            <a:ext cx="638175" cy="180976"/>
+          </a:xfrm>
+          <a:prstGeom prst="flowChartProcess">
+            <a:avLst/>
+          </a:prstGeom>
+          <a:solidFill>
+            <a:schemeClr val="bg1"/>
+          </a:solidFill>
+          <a:ln>
+            <a:noFill/>
+          </a:ln>
+        </p:spPr>
+        <p:style>
+          <a:lnRef idx="2">
+            <a:schemeClr val="accent1">
+              <a:shade val="50000"/>
+            </a:schemeClr>
+          </a:lnRef>
+          <a:fillRef idx="1">
+            <a:schemeClr val="accent1"/>
+          </a:fillRef>
+          <a:effectRef idx="0">
+            <a:schemeClr val="accent1"/>
+          </a:effectRef>
+          <a:fontRef idx="minor">
+            <a:schemeClr val="lt1"/>
+          </a:fontRef>
+        </p:style>
+        <p:txBody>
+          <a:bodyPr lIns="91431" tIns="45715" rIns="91431" bIns="45715" rtlCol="0" anchor="ctr"/>
+          <a:lstStyle/>
+          <a:p>
+            <a:pPr algn="ctr"/>
+            <a:r>
+              <a:rPr lang="en-GB" sz="900" dirty="0" smtClean="0">
+                <a:solidFill>
+                  <a:schemeClr val="bg1">
+                    <a:lumMod val="50000"/>
+                  </a:schemeClr>
+                </a:solidFill>
+              </a:rPr>
+              <a:t>PAUSED</a:t>
+            </a:r>
+            <a:endParaRPr lang="en-GB" sz="900" dirty="0">
+              <a:solidFill>
+                <a:schemeClr val="bg1">
+                  <a:lumMod val="50000"/>
+                </a:schemeClr>
+              </a:solidFill>
+            </a:endParaRPr>
+          </a:p>
+        </p:txBody>
+      </p:sp>
+      <p:cxnSp>
+        <p:nvCxnSpPr>
+          <p:cNvPr id="411" name="Straight Arrow Connector 410"/>
+          <p:cNvCxnSpPr>
+            <a:endCxn id="169" idx="3"/>
+          </p:cNvCxnSpPr>
+          <p:nvPr/>
+        </p:nvCxnSpPr>
+        <p:spPr>
+          <a:xfrm rot="10800000">
+            <a:off x="21628136" y="3631346"/>
+            <a:ext cx="465145" cy="2382"/>
+          </a:xfrm>
+          <a:prstGeom prst="straightConnector1">
+            <a:avLst/>
+          </a:prstGeom>
+          <a:ln w="19050">
+            <a:solidFill>
+              <a:schemeClr val="bg1">
+                <a:lumMod val="50000"/>
+              </a:schemeClr>
+            </a:solidFill>
+            <a:headEnd type="none" w="med" len="med"/>
+            <a:tailEnd type="none" w="med" len="med"/>
+          </a:ln>
+        </p:spPr>
+        <p:style>
+          <a:lnRef idx="1">
+            <a:schemeClr val="accent1"/>
+          </a:lnRef>
+          <a:fillRef idx="0">
+            <a:schemeClr val="accent1"/>
+          </a:fillRef>
+          <a:effectRef idx="0">
+            <a:schemeClr val="accent1"/>
+          </a:effectRef>
+          <a:fontRef idx="minor">
+            <a:schemeClr val="tx1"/>
+          </a:fontRef>
+        </p:style>
+      </p:cxnSp>
+      <p:cxnSp>
+        <p:nvCxnSpPr>
+          <p:cNvPr id="416" name="Straight Arrow Connector 415"/>
+          <p:cNvCxnSpPr>
+            <a:stCxn id="224" idx="0"/>
+            <a:endCxn id="235" idx="2"/>
+          </p:cNvCxnSpPr>
+          <p:nvPr/>
+        </p:nvCxnSpPr>
+        <p:spPr>
+          <a:xfrm rot="16200000" flipV="1">
+            <a:off x="22505241" y="5395068"/>
+            <a:ext cx="1000132" cy="1587"/>
+          </a:xfrm>
+          <a:prstGeom prst="straightConnector1">
+            <a:avLst/>
+          </a:prstGeom>
+          <a:ln w="19050">
+            <a:solidFill>
+              <a:schemeClr val="bg1">
+                <a:lumMod val="50000"/>
+              </a:schemeClr>
+            </a:solidFill>
+            <a:headEnd type="none" w="med" len="med"/>
+            <a:tailEnd type="none" w="med" len="med"/>
+          </a:ln>
+        </p:spPr>
+        <p:style>
+          <a:lnRef idx="1">
+            <a:schemeClr val="accent1"/>
+          </a:lnRef>
+          <a:fillRef idx="0">
+            <a:schemeClr val="accent1"/>
+          </a:fillRef>
+          <a:effectRef idx="0">
+            <a:schemeClr val="accent1"/>
+          </a:effectRef>
+          <a:fontRef idx="minor">
+            <a:schemeClr val="tx1"/>
+          </a:fontRef>
+        </p:style>
+      </p:cxnSp>
+      <p:sp>
+        <p:nvSpPr>
+          <p:cNvPr id="308" name="Flowchart: Process 307"/>
+          <p:cNvSpPr/>
+          <p:nvPr/>
+        </p:nvSpPr>
+        <p:spPr>
+          <a:xfrm>
+            <a:off x="22545720" y="5262512"/>
+            <a:ext cx="904880" cy="271464"/>
+          </a:xfrm>
+          <a:prstGeom prst="flowChartProcess">
+            <a:avLst/>
+          </a:prstGeom>
+          <a:solidFill>
+            <a:schemeClr val="bg1"/>
+          </a:solidFill>
+          <a:ln>
+            <a:noFill/>
+          </a:ln>
+        </p:spPr>
+        <p:style>
+          <a:lnRef idx="2">
+            <a:schemeClr val="accent1">
+              <a:shade val="50000"/>
+            </a:schemeClr>
+          </a:lnRef>
+          <a:fillRef idx="1">
+            <a:schemeClr val="accent1"/>
+          </a:fillRef>
+          <a:effectRef idx="0">
+            <a:schemeClr val="accent1"/>
+          </a:effectRef>
+          <a:fontRef idx="minor">
+            <a:schemeClr val="lt1"/>
+          </a:fontRef>
+        </p:style>
+        <p:txBody>
+          <a:bodyPr vert="horz" lIns="91431" tIns="45715" rIns="91431" bIns="45715" rtlCol="0" anchor="ctr"/>
+          <a:lstStyle/>
+          <a:p>
+            <a:pPr algn="ctr"/>
+            <a:r>
+              <a:rPr lang="en-GB" sz="900" dirty="0" smtClean="0">
+                <a:solidFill>
+                  <a:schemeClr val="bg1">
+                    <a:lumMod val="50000"/>
+                  </a:schemeClr>
+                </a:solidFill>
+              </a:rPr>
+              <a:t>POST_EXECUTE</a:t>
+            </a:r>
+            <a:endParaRPr lang="en-GB" sz="900" dirty="0">
+              <a:solidFill>
+                <a:schemeClr val="bg1">
+                  <a:lumMod val="50000"/>
+                </a:schemeClr>
+              </a:solidFill>
+            </a:endParaRPr>
+          </a:p>
+        </p:txBody>
+      </p:sp>
+      <p:sp>
+        <p:nvSpPr>
+          <p:cNvPr id="425" name="Flowchart: Process 424"/>
+          <p:cNvSpPr/>
+          <p:nvPr/>
+        </p:nvSpPr>
+        <p:spPr>
+          <a:xfrm>
+            <a:off x="11687160" y="11053744"/>
+            <a:ext cx="1435104" cy="538164"/>
+          </a:xfrm>
+          <a:prstGeom prst="flowChartProcess">
+            <a:avLst/>
+          </a:prstGeom>
+          <a:solidFill>
+            <a:schemeClr val="accent3">
+              <a:lumMod val="60000"/>
+              <a:lumOff val="40000"/>
+            </a:schemeClr>
+          </a:solidFill>
+          <a:ln>
+            <a:solidFill>
+              <a:schemeClr val="accent3">
+                <a:lumMod val="75000"/>
+              </a:schemeClr>
+            </a:solidFill>
+          </a:ln>
+        </p:spPr>
+        <p:style>
+          <a:lnRef idx="2">
+            <a:schemeClr val="accent1">
+              <a:shade val="50000"/>
+            </a:schemeClr>
+          </a:lnRef>
+          <a:fillRef idx="1">
+            <a:schemeClr val="accent1"/>
+          </a:fillRef>
+          <a:effectRef idx="0">
+            <a:schemeClr val="accent1"/>
+          </a:effectRef>
+          <a:fontRef idx="minor">
+            <a:schemeClr val="lt1"/>
+          </a:fontRef>
+        </p:style>
+        <p:txBody>
+          <a:bodyPr vert="horz" lIns="91431" tIns="45715" rIns="91431" bIns="45715" rtlCol="0" anchor="ctr"/>
+          <a:lstStyle/>
+          <a:p>
+            <a:pPr algn="ctr"/>
+            <a:r>
+              <a:rPr lang="en-GB" sz="900" dirty="0" smtClean="0">
+                <a:solidFill>
+                  <a:sysClr val="windowText" lastClr="000000"/>
+                </a:solidFill>
+              </a:rPr>
+              <a:t>Lock </a:t>
+            </a:r>
+            <a:r>
+              <a:rPr lang="en-GB" sz="900" dirty="0" smtClean="0">
+                <a:solidFill>
+                  <a:schemeClr val="tx1"/>
+                </a:solidFill>
+              </a:rPr>
+              <a:t>initialised</a:t>
+            </a:r>
+            <a:r>
+              <a:rPr lang="en-GB" sz="900" dirty="0" smtClean="0">
+                <a:solidFill>
+                  <a:sysClr val="windowText" lastClr="000000"/>
+                </a:solidFill>
+              </a:rPr>
+              <a:t> </a:t>
+            </a:r>
+            <a:r>
+              <a:rPr lang="en-GB" sz="900" dirty="0" smtClean="0">
+                <a:solidFill>
+                  <a:sysClr val="windowText" lastClr="000000"/>
+                </a:solidFill>
+              </a:rPr>
+              <a:t> queue</a:t>
+            </a:r>
+            <a:endParaRPr lang="en-GB" sz="900" dirty="0">
+              <a:solidFill>
+                <a:sysClr val="windowText" lastClr="000000"/>
+              </a:solidFill>
+            </a:endParaRPr>
+          </a:p>
+        </p:txBody>
+      </p:sp>
+      <p:sp>
+        <p:nvSpPr>
+          <p:cNvPr id="426" name="Flowchart: Data 425"/>
+          <p:cNvSpPr/>
+          <p:nvPr/>
+        </p:nvSpPr>
+        <p:spPr>
+          <a:xfrm>
+            <a:off x="14130336" y="8339104"/>
+            <a:ext cx="1447808" cy="452440"/>
+          </a:xfrm>
+          <a:prstGeom prst="flowChartInputOutput">
+            <a:avLst/>
+          </a:prstGeom>
+          <a:solidFill>
+            <a:schemeClr val="accent5">
+              <a:lumMod val="40000"/>
+              <a:lumOff val="60000"/>
+            </a:schemeClr>
+          </a:solidFill>
+          <a:ln>
+            <a:solidFill>
+              <a:schemeClr val="accent5">
+                <a:lumMod val="60000"/>
+                <a:lumOff val="40000"/>
+              </a:schemeClr>
+            </a:solidFill>
+          </a:ln>
+        </p:spPr>
+        <p:style>
+          <a:lnRef idx="2">
+            <a:schemeClr val="accent1">
+              <a:shade val="50000"/>
+            </a:schemeClr>
+          </a:lnRef>
+          <a:fillRef idx="1">
+            <a:schemeClr val="accent1"/>
+          </a:fillRef>
+          <a:effectRef idx="0">
+            <a:schemeClr val="accent1"/>
+          </a:effectRef>
+          <a:fontRef idx="minor">
+            <a:schemeClr val="lt1"/>
+          </a:fontRef>
+        </p:style>
+        <p:txBody>
+          <a:bodyPr rtlCol="0" anchor="ctr"/>
+          <a:lstStyle/>
+          <a:p>
+            <a:pPr algn="ctr"/>
+            <a:r>
+              <a:rPr lang="en-GB" sz="900" dirty="0" smtClean="0">
+                <a:solidFill>
+                  <a:sysClr val="windowText" lastClr="000000"/>
+                </a:solidFill>
+              </a:rPr>
+              <a:t>Initialise task</a:t>
+            </a:r>
+            <a:endParaRPr lang="en-GB" sz="900" dirty="0">
+              <a:solidFill>
+                <a:sysClr val="windowText" lastClr="000000"/>
+              </a:solidFill>
+            </a:endParaRPr>
+          </a:p>
+        </p:txBody>
+      </p:sp>
+      <p:sp>
+        <p:nvSpPr>
+          <p:cNvPr id="427" name="Flowchart: Terminator 426"/>
+          <p:cNvSpPr/>
+          <p:nvPr/>
+        </p:nvSpPr>
+        <p:spPr>
+          <a:xfrm>
+            <a:off x="11687160" y="7434224"/>
+            <a:ext cx="1447808" cy="343195"/>
+          </a:xfrm>
+          <a:prstGeom prst="flowChartTerminator">
+            <a:avLst/>
+          </a:prstGeom>
+          <a:solidFill>
+            <a:schemeClr val="accent2">
+              <a:lumMod val="60000"/>
+              <a:lumOff val="40000"/>
+            </a:schemeClr>
+          </a:solidFill>
+          <a:ln>
+            <a:solidFill>
+              <a:schemeClr val="accent2">
+                <a:lumMod val="75000"/>
+              </a:schemeClr>
+            </a:solidFill>
+          </a:ln>
+        </p:spPr>
+        <p:style>
+          <a:lnRef idx="2">
+            <a:schemeClr val="accent1">
+              <a:shade val="50000"/>
+            </a:schemeClr>
+          </a:lnRef>
+          <a:fillRef idx="1">
+            <a:schemeClr val="accent1"/>
+          </a:fillRef>
+          <a:effectRef idx="0">
+            <a:schemeClr val="accent1"/>
+          </a:effectRef>
+          <a:fontRef idx="minor">
+            <a:schemeClr val="lt1"/>
+          </a:fontRef>
+        </p:style>
+        <p:txBody>
+          <a:bodyPr lIns="91431" tIns="45715" rIns="91431" bIns="45715" rtlCol="0" anchor="ctr"/>
+          <a:lstStyle/>
+          <a:p>
+            <a:pPr algn="ctr"/>
+            <a:r>
+              <a:rPr lang="en-GB" sz="900" dirty="0" smtClean="0">
+                <a:solidFill>
+                  <a:schemeClr val="tx1"/>
+                </a:solidFill>
+              </a:rPr>
+              <a:t>Task is scheduled</a:t>
+            </a:r>
+            <a:endParaRPr lang="en-GB" sz="900" dirty="0">
+              <a:solidFill>
+                <a:schemeClr val="tx1"/>
+              </a:solidFill>
+            </a:endParaRPr>
+          </a:p>
+        </p:txBody>
+      </p:sp>
+      <p:sp>
+        <p:nvSpPr>
+          <p:cNvPr id="428" name="Flowchart: Decision 427"/>
+          <p:cNvSpPr/>
+          <p:nvPr/>
+        </p:nvSpPr>
+        <p:spPr>
+          <a:xfrm>
+            <a:off x="11506184" y="8158128"/>
+            <a:ext cx="1793880" cy="896940"/>
+          </a:xfrm>
+          <a:prstGeom prst="flowChartDecision">
+            <a:avLst/>
+          </a:prstGeom>
+          <a:solidFill>
+            <a:schemeClr val="accent6">
+              <a:lumMod val="40000"/>
+              <a:lumOff val="60000"/>
+            </a:schemeClr>
+          </a:solidFill>
+          <a:ln>
+            <a:solidFill>
+              <a:schemeClr val="accent6">
+                <a:lumMod val="60000"/>
+                <a:lumOff val="40000"/>
+              </a:schemeClr>
+            </a:solidFill>
+          </a:ln>
+        </p:spPr>
+        <p:style>
+          <a:lnRef idx="2">
+            <a:schemeClr val="accent1">
+              <a:shade val="50000"/>
+            </a:schemeClr>
+          </a:lnRef>
+          <a:fillRef idx="1">
+            <a:schemeClr val="accent1"/>
+          </a:fillRef>
+          <a:effectRef idx="0">
+            <a:schemeClr val="accent1"/>
+          </a:effectRef>
+          <a:fontRef idx="minor">
+            <a:schemeClr val="lt1"/>
+          </a:fontRef>
+        </p:style>
+        <p:txBody>
+          <a:bodyPr lIns="91431" tIns="45715" rIns="91431" bIns="45715" rtlCol="0" anchor="ctr"/>
+          <a:lstStyle/>
+          <a:p>
+            <a:pPr algn="ctr"/>
+            <a:r>
+              <a:rPr lang="en-GB" sz="900" dirty="0" smtClean="0">
+                <a:solidFill>
+                  <a:schemeClr val="tx1"/>
+                </a:solidFill>
+              </a:rPr>
+              <a:t>Task state is COMPLETE or CANCELED</a:t>
+            </a:r>
+            <a:endParaRPr lang="en-GB" sz="900" dirty="0">
+              <a:solidFill>
+                <a:schemeClr val="tx1"/>
+              </a:solidFill>
+            </a:endParaRPr>
+          </a:p>
+        </p:txBody>
+      </p:sp>
+      <p:sp>
+        <p:nvSpPr>
+          <p:cNvPr id="429" name="Flowchart: Decision 428"/>
+          <p:cNvSpPr/>
+          <p:nvPr/>
+        </p:nvSpPr>
+        <p:spPr>
+          <a:xfrm>
+            <a:off x="11506184" y="9605936"/>
+            <a:ext cx="1793880" cy="896940"/>
+          </a:xfrm>
+          <a:prstGeom prst="flowChartDecision">
+            <a:avLst/>
+          </a:prstGeom>
+          <a:solidFill>
+            <a:schemeClr val="accent6">
+              <a:lumMod val="40000"/>
+              <a:lumOff val="60000"/>
+            </a:schemeClr>
+          </a:solidFill>
+          <a:ln>
+            <a:solidFill>
+              <a:schemeClr val="accent6">
+                <a:lumMod val="60000"/>
+                <a:lumOff val="40000"/>
+              </a:schemeClr>
+            </a:solidFill>
+          </a:ln>
+        </p:spPr>
+        <p:style>
+          <a:lnRef idx="2">
+            <a:schemeClr val="accent1">
+              <a:shade val="50000"/>
+            </a:schemeClr>
+          </a:lnRef>
+          <a:fillRef idx="1">
+            <a:schemeClr val="accent1"/>
+          </a:fillRef>
+          <a:effectRef idx="0">
+            <a:schemeClr val="accent1"/>
+          </a:effectRef>
+          <a:fontRef idx="minor">
+            <a:schemeClr val="lt1"/>
+          </a:fontRef>
+        </p:style>
+        <p:txBody>
+          <a:bodyPr lIns="91431" tIns="45715" rIns="91431" bIns="45715" rtlCol="0" anchor="ctr"/>
+          <a:lstStyle/>
+          <a:p>
+            <a:pPr algn="ctr"/>
+            <a:r>
+              <a:rPr lang="en-GB" sz="900" dirty="0" smtClean="0">
+                <a:solidFill>
+                  <a:schemeClr val="tx1"/>
+                </a:solidFill>
+              </a:rPr>
+              <a:t>Task state is INITIALISED</a:t>
+            </a:r>
+            <a:endParaRPr lang="en-GB" sz="900" dirty="0">
+              <a:solidFill>
+                <a:schemeClr val="tx1"/>
+              </a:solidFill>
+            </a:endParaRPr>
+          </a:p>
+        </p:txBody>
+      </p:sp>
+      <p:sp>
+        <p:nvSpPr>
+          <p:cNvPr id="430" name="Flowchart: Terminator 429"/>
+          <p:cNvSpPr/>
+          <p:nvPr/>
+        </p:nvSpPr>
+        <p:spPr>
+          <a:xfrm>
+            <a:off x="14039848" y="9877400"/>
+            <a:ext cx="1447808" cy="343195"/>
+          </a:xfrm>
+          <a:prstGeom prst="flowChartTerminator">
+            <a:avLst/>
+          </a:prstGeom>
+          <a:solidFill>
+            <a:schemeClr val="accent2">
+              <a:lumMod val="60000"/>
+              <a:lumOff val="40000"/>
+            </a:schemeClr>
+          </a:solidFill>
+          <a:ln>
+            <a:solidFill>
+              <a:schemeClr val="accent2">
+                <a:lumMod val="75000"/>
+              </a:schemeClr>
+            </a:solidFill>
+          </a:ln>
+        </p:spPr>
+        <p:style>
+          <a:lnRef idx="2">
+            <a:schemeClr val="accent1">
+              <a:shade val="50000"/>
+            </a:schemeClr>
+          </a:lnRef>
+          <a:fillRef idx="1">
+            <a:schemeClr val="accent1"/>
+          </a:fillRef>
+          <a:effectRef idx="0">
+            <a:schemeClr val="accent1"/>
+          </a:effectRef>
+          <a:fontRef idx="minor">
+            <a:schemeClr val="lt1"/>
+          </a:fontRef>
+        </p:style>
+        <p:txBody>
+          <a:bodyPr lIns="91431" tIns="45715" rIns="91431" bIns="45715" rtlCol="0" anchor="ctr"/>
+          <a:lstStyle/>
+          <a:p>
+            <a:pPr algn="ctr"/>
+            <a:r>
+              <a:rPr lang="en-GB" sz="900" dirty="0" smtClean="0">
+                <a:solidFill>
+                  <a:schemeClr val="tx1"/>
+                </a:solidFill>
+              </a:rPr>
+              <a:t>Task could not be scheduled</a:t>
+            </a:r>
+            <a:endParaRPr lang="en-GB" sz="900" dirty="0">
+              <a:solidFill>
+                <a:schemeClr val="tx1"/>
+              </a:solidFill>
+            </a:endParaRPr>
+          </a:p>
+        </p:txBody>
+      </p:sp>
+      <p:sp>
+        <p:nvSpPr>
+          <p:cNvPr id="431" name="Flowchart: Terminator 430"/>
+          <p:cNvSpPr/>
+          <p:nvPr/>
+        </p:nvSpPr>
+        <p:spPr>
+          <a:xfrm>
+            <a:off x="14039848" y="11053744"/>
+            <a:ext cx="1447808" cy="343195"/>
+          </a:xfrm>
+          <a:prstGeom prst="flowChartTerminator">
+            <a:avLst/>
+          </a:prstGeom>
+          <a:solidFill>
+            <a:schemeClr val="accent2">
+              <a:lumMod val="60000"/>
+              <a:lumOff val="40000"/>
+            </a:schemeClr>
+          </a:solidFill>
+          <a:ln>
+            <a:solidFill>
+              <a:schemeClr val="accent2">
+                <a:lumMod val="75000"/>
+              </a:schemeClr>
+            </a:solidFill>
+          </a:ln>
+        </p:spPr>
+        <p:style>
+          <a:lnRef idx="2">
+            <a:schemeClr val="accent1">
+              <a:shade val="50000"/>
+            </a:schemeClr>
+          </a:lnRef>
+          <a:fillRef idx="1">
+            <a:schemeClr val="accent1"/>
+          </a:fillRef>
+          <a:effectRef idx="0">
+            <a:schemeClr val="accent1"/>
+          </a:effectRef>
+          <a:fontRef idx="minor">
+            <a:schemeClr val="lt1"/>
+          </a:fontRef>
+        </p:style>
+        <p:txBody>
+          <a:bodyPr lIns="91431" tIns="45715" rIns="91431" bIns="45715" rtlCol="0" anchor="ctr"/>
+          <a:lstStyle/>
+          <a:p>
+            <a:pPr algn="ctr"/>
+            <a:r>
+              <a:rPr lang="en-GB" sz="900" dirty="0" smtClean="0">
+                <a:solidFill>
+                  <a:schemeClr val="tx1"/>
+                </a:solidFill>
+              </a:rPr>
+              <a:t>Task has been scheduled</a:t>
+            </a:r>
+            <a:endParaRPr lang="en-GB" sz="900" dirty="0">
+              <a:solidFill>
+                <a:schemeClr val="tx1"/>
+              </a:solidFill>
+            </a:endParaRPr>
+          </a:p>
+        </p:txBody>
+      </p:sp>
+      <p:sp>
+        <p:nvSpPr>
+          <p:cNvPr id="432" name="Flowchart: Process 431"/>
+          <p:cNvSpPr/>
+          <p:nvPr/>
+        </p:nvSpPr>
+        <p:spPr>
+          <a:xfrm>
+            <a:off x="14052552" y="11777648"/>
+            <a:ext cx="1435104" cy="538164"/>
+          </a:xfrm>
+          <a:prstGeom prst="flowChartProcess">
+            <a:avLst/>
+          </a:prstGeom>
+          <a:solidFill>
+            <a:schemeClr val="accent3">
+              <a:lumMod val="60000"/>
+              <a:lumOff val="40000"/>
+            </a:schemeClr>
+          </a:solidFill>
+          <a:ln>
+            <a:solidFill>
+              <a:schemeClr val="accent3">
+                <a:lumMod val="75000"/>
+              </a:schemeClr>
+            </a:solidFill>
+          </a:ln>
+        </p:spPr>
+        <p:style>
+          <a:lnRef idx="2">
+            <a:schemeClr val="accent1">
+              <a:shade val="50000"/>
+            </a:schemeClr>
+          </a:lnRef>
+          <a:fillRef idx="1">
+            <a:schemeClr val="accent1"/>
+          </a:fillRef>
+          <a:effectRef idx="0">
+            <a:schemeClr val="accent1"/>
+          </a:effectRef>
+          <a:fontRef idx="minor">
+            <a:schemeClr val="lt1"/>
+          </a:fontRef>
+        </p:style>
+        <p:txBody>
+          <a:bodyPr vert="horz" lIns="91431" tIns="45715" rIns="91431" bIns="45715" rtlCol="0" anchor="ctr"/>
+          <a:lstStyle/>
+          <a:p>
+            <a:pPr algn="ctr"/>
+            <a:r>
+              <a:rPr lang="en-GB" sz="900" dirty="0" smtClean="0">
+                <a:solidFill>
+                  <a:sysClr val="windowText" lastClr="000000"/>
+                </a:solidFill>
+              </a:rPr>
+              <a:t>Unl</a:t>
+            </a:r>
+            <a:r>
+              <a:rPr lang="en-GB" sz="900" dirty="0" smtClean="0">
+                <a:solidFill>
+                  <a:sysClr val="windowText" lastClr="000000"/>
+                </a:solidFill>
+              </a:rPr>
+              <a:t>ock </a:t>
+            </a:r>
+            <a:r>
+              <a:rPr lang="en-GB" sz="900" dirty="0" smtClean="0">
+                <a:solidFill>
+                  <a:schemeClr val="tx1"/>
+                </a:solidFill>
+              </a:rPr>
+              <a:t>initialised</a:t>
+            </a:r>
+            <a:r>
+              <a:rPr lang="en-GB" sz="900" dirty="0" smtClean="0">
+                <a:solidFill>
+                  <a:sysClr val="windowText" lastClr="000000"/>
+                </a:solidFill>
+              </a:rPr>
+              <a:t> </a:t>
+            </a:r>
+            <a:r>
+              <a:rPr lang="en-GB" sz="900" dirty="0" smtClean="0">
+                <a:solidFill>
+                  <a:sysClr val="windowText" lastClr="000000"/>
+                </a:solidFill>
+              </a:rPr>
+              <a:t> queue</a:t>
+            </a:r>
+            <a:endParaRPr lang="en-GB" sz="900" dirty="0">
+              <a:solidFill>
+                <a:sysClr val="windowText" lastClr="000000"/>
+              </a:solidFill>
+            </a:endParaRPr>
+          </a:p>
+        </p:txBody>
+      </p:sp>
+      <p:sp>
+        <p:nvSpPr>
+          <p:cNvPr id="433" name="Flowchart: Data 432"/>
+          <p:cNvSpPr/>
+          <p:nvPr/>
+        </p:nvSpPr>
+        <p:spPr>
+          <a:xfrm>
+            <a:off x="11687160" y="11868136"/>
+            <a:ext cx="1447808" cy="452440"/>
+          </a:xfrm>
+          <a:prstGeom prst="flowChartInputOutput">
+            <a:avLst/>
+          </a:prstGeom>
+          <a:solidFill>
+            <a:schemeClr val="accent5">
+              <a:lumMod val="40000"/>
+              <a:lumOff val="60000"/>
+            </a:schemeClr>
+          </a:solidFill>
+          <a:ln>
+            <a:solidFill>
+              <a:schemeClr val="accent5">
+                <a:lumMod val="60000"/>
+                <a:lumOff val="40000"/>
+              </a:schemeClr>
+            </a:solidFill>
+          </a:ln>
+        </p:spPr>
+        <p:style>
+          <a:lnRef idx="2">
+            <a:schemeClr val="accent1">
+              <a:shade val="50000"/>
+            </a:schemeClr>
+          </a:lnRef>
+          <a:fillRef idx="1">
+            <a:schemeClr val="accent1"/>
+          </a:fillRef>
+          <a:effectRef idx="0">
+            <a:schemeClr val="accent1"/>
+          </a:effectRef>
+          <a:fontRef idx="minor">
+            <a:schemeClr val="lt1"/>
+          </a:fontRef>
+        </p:style>
+        <p:txBody>
+          <a:bodyPr rtlCol="0" anchor="ctr"/>
+          <a:lstStyle/>
+          <a:p>
+            <a:pPr algn="ctr"/>
+            <a:r>
+              <a:rPr lang="en-GB" sz="900" dirty="0" smtClean="0">
+                <a:solidFill>
+                  <a:sysClr val="windowText" lastClr="000000"/>
+                </a:solidFill>
+              </a:rPr>
+              <a:t>Push task to </a:t>
+            </a:r>
+            <a:r>
+              <a:rPr lang="en-GB" sz="900" dirty="0" smtClean="0">
+                <a:solidFill>
+                  <a:schemeClr val="tx1"/>
+                </a:solidFill>
+              </a:rPr>
+              <a:t>initialised</a:t>
+            </a:r>
+            <a:r>
+              <a:rPr lang="en-GB" sz="900" dirty="0" smtClean="0">
+                <a:solidFill>
+                  <a:sysClr val="windowText" lastClr="000000"/>
+                </a:solidFill>
+              </a:rPr>
+              <a:t>  queue</a:t>
+            </a:r>
+            <a:endParaRPr lang="en-GB" sz="900" dirty="0">
+              <a:solidFill>
+                <a:sysClr val="windowText" lastClr="000000"/>
+              </a:solidFill>
+            </a:endParaRPr>
+          </a:p>
+        </p:txBody>
+      </p:sp>
+      <p:cxnSp>
+        <p:nvCxnSpPr>
+          <p:cNvPr id="434" name="Straight Arrow Connector 433"/>
+          <p:cNvCxnSpPr>
+            <a:stCxn id="427" idx="2"/>
+            <a:endCxn id="428" idx="0"/>
+          </p:cNvCxnSpPr>
+          <p:nvPr/>
+        </p:nvCxnSpPr>
+        <p:spPr>
+          <a:xfrm rot="5400000">
+            <a:off x="12216740" y="7963803"/>
+            <a:ext cx="380709" cy="7940"/>
+          </a:xfrm>
+          <a:prstGeom prst="straightConnector1">
+            <a:avLst/>
+          </a:prstGeom>
+          <a:ln w="19050">
+            <a:solidFill>
+              <a:schemeClr val="bg1">
+                <a:lumMod val="50000"/>
+              </a:schemeClr>
+            </a:solidFill>
+            <a:headEnd type="none" w="med" len="med"/>
+            <a:tailEnd type="triangle" w="med" len="med"/>
+          </a:ln>
+        </p:spPr>
+        <p:style>
+          <a:lnRef idx="1">
+            <a:schemeClr val="accent1"/>
+          </a:lnRef>
+          <a:fillRef idx="0">
+            <a:schemeClr val="accent1"/>
+          </a:fillRef>
+          <a:effectRef idx="0">
+            <a:schemeClr val="accent1"/>
+          </a:effectRef>
+          <a:fontRef idx="minor">
+            <a:schemeClr val="tx1"/>
+          </a:fontRef>
+        </p:style>
+      </p:cxnSp>
+      <p:cxnSp>
+        <p:nvCxnSpPr>
+          <p:cNvPr id="437" name="Straight Arrow Connector 436"/>
+          <p:cNvCxnSpPr>
+            <a:stCxn id="428" idx="2"/>
+            <a:endCxn id="429" idx="0"/>
+          </p:cNvCxnSpPr>
+          <p:nvPr/>
+        </p:nvCxnSpPr>
+        <p:spPr>
+          <a:xfrm rot="5400000">
+            <a:off x="12127690" y="9330502"/>
+            <a:ext cx="550868" cy="1588"/>
+          </a:xfrm>
+          <a:prstGeom prst="straightConnector1">
+            <a:avLst/>
+          </a:prstGeom>
+          <a:ln w="19050">
+            <a:solidFill>
+              <a:schemeClr val="bg1">
+                <a:lumMod val="50000"/>
+              </a:schemeClr>
+            </a:solidFill>
+            <a:headEnd type="none" w="med" len="med"/>
+            <a:tailEnd type="triangle" w="med" len="med"/>
+          </a:ln>
+        </p:spPr>
+        <p:style>
+          <a:lnRef idx="1">
+            <a:schemeClr val="accent1"/>
+          </a:lnRef>
+          <a:fillRef idx="0">
+            <a:schemeClr val="accent1"/>
+          </a:fillRef>
+          <a:effectRef idx="0">
+            <a:schemeClr val="accent1"/>
+          </a:effectRef>
+          <a:fontRef idx="minor">
+            <a:schemeClr val="tx1"/>
+          </a:fontRef>
+        </p:style>
+      </p:cxnSp>
+      <p:cxnSp>
+        <p:nvCxnSpPr>
+          <p:cNvPr id="440" name="Straight Arrow Connector 439"/>
+          <p:cNvCxnSpPr>
+            <a:stCxn id="428" idx="3"/>
+            <a:endCxn id="426" idx="2"/>
+          </p:cNvCxnSpPr>
+          <p:nvPr/>
+        </p:nvCxnSpPr>
+        <p:spPr>
+          <a:xfrm flipV="1">
+            <a:off x="13300064" y="8565324"/>
+            <a:ext cx="975053" cy="41274"/>
+          </a:xfrm>
+          <a:prstGeom prst="straightConnector1">
+            <a:avLst/>
+          </a:prstGeom>
+          <a:ln w="19050">
+            <a:solidFill>
+              <a:schemeClr val="bg1">
+                <a:lumMod val="50000"/>
+              </a:schemeClr>
+            </a:solidFill>
+            <a:headEnd type="none" w="med" len="med"/>
+            <a:tailEnd type="triangle" w="med" len="med"/>
+          </a:ln>
+        </p:spPr>
+        <p:style>
+          <a:lnRef idx="1">
+            <a:schemeClr val="accent1"/>
+          </a:lnRef>
+          <a:fillRef idx="0">
+            <a:schemeClr val="accent1"/>
+          </a:fillRef>
+          <a:effectRef idx="0">
+            <a:schemeClr val="accent1"/>
+          </a:effectRef>
+          <a:fontRef idx="minor">
+            <a:schemeClr val="tx1"/>
+          </a:fontRef>
+        </p:style>
+      </p:cxnSp>
+      <p:cxnSp>
+        <p:nvCxnSpPr>
+          <p:cNvPr id="443" name="Straight Arrow Connector 442"/>
+          <p:cNvCxnSpPr>
+            <a:stCxn id="429" idx="2"/>
+            <a:endCxn id="425" idx="0"/>
+          </p:cNvCxnSpPr>
+          <p:nvPr/>
+        </p:nvCxnSpPr>
+        <p:spPr>
+          <a:xfrm rot="16200000" flipH="1">
+            <a:off x="12128484" y="10777516"/>
+            <a:ext cx="550868" cy="1588"/>
+          </a:xfrm>
+          <a:prstGeom prst="straightConnector1">
+            <a:avLst/>
+          </a:prstGeom>
+          <a:ln w="19050">
+            <a:solidFill>
+              <a:schemeClr val="bg1">
+                <a:lumMod val="50000"/>
+              </a:schemeClr>
+            </a:solidFill>
+            <a:headEnd type="none" w="med" len="med"/>
+            <a:tailEnd type="triangle" w="med" len="med"/>
+          </a:ln>
+        </p:spPr>
+        <p:style>
+          <a:lnRef idx="1">
+            <a:schemeClr val="accent1"/>
+          </a:lnRef>
+          <a:fillRef idx="0">
+            <a:schemeClr val="accent1"/>
+          </a:fillRef>
+          <a:effectRef idx="0">
+            <a:schemeClr val="accent1"/>
+          </a:effectRef>
+          <a:fontRef idx="minor">
+            <a:schemeClr val="tx1"/>
+          </a:fontRef>
+        </p:style>
+      </p:cxnSp>
+      <p:cxnSp>
+        <p:nvCxnSpPr>
+          <p:cNvPr id="447" name="Straight Arrow Connector 446"/>
+          <p:cNvCxnSpPr>
+            <a:stCxn id="425" idx="2"/>
+            <a:endCxn id="433" idx="1"/>
+          </p:cNvCxnSpPr>
+          <p:nvPr/>
+        </p:nvCxnSpPr>
+        <p:spPr>
+          <a:xfrm rot="16200000" flipH="1">
+            <a:off x="12269774" y="11726846"/>
+            <a:ext cx="276228" cy="6352"/>
+          </a:xfrm>
+          <a:prstGeom prst="straightConnector1">
+            <a:avLst/>
+          </a:prstGeom>
+          <a:ln w="19050">
+            <a:solidFill>
+              <a:schemeClr val="bg1">
+                <a:lumMod val="50000"/>
+              </a:schemeClr>
+            </a:solidFill>
+            <a:headEnd type="none" w="med" len="med"/>
+            <a:tailEnd type="triangle" w="med" len="med"/>
+          </a:ln>
+        </p:spPr>
+        <p:style>
+          <a:lnRef idx="1">
+            <a:schemeClr val="accent1"/>
+          </a:lnRef>
+          <a:fillRef idx="0">
+            <a:schemeClr val="accent1"/>
+          </a:fillRef>
+          <a:effectRef idx="0">
+            <a:schemeClr val="accent1"/>
+          </a:effectRef>
+          <a:fontRef idx="minor">
+            <a:schemeClr val="tx1"/>
+          </a:fontRef>
+        </p:style>
+      </p:cxnSp>
+      <p:cxnSp>
+        <p:nvCxnSpPr>
+          <p:cNvPr id="450" name="Straight Arrow Connector 449"/>
+          <p:cNvCxnSpPr>
+            <a:stCxn id="433" idx="5"/>
+            <a:endCxn id="432" idx="1"/>
+          </p:cNvCxnSpPr>
+          <p:nvPr/>
+        </p:nvCxnSpPr>
+        <p:spPr>
+          <a:xfrm flipV="1">
+            <a:off x="12990187" y="12046730"/>
+            <a:ext cx="1062365" cy="47626"/>
+          </a:xfrm>
+          <a:prstGeom prst="straightConnector1">
+            <a:avLst/>
+          </a:prstGeom>
+          <a:ln w="19050">
+            <a:solidFill>
+              <a:schemeClr val="bg1">
+                <a:lumMod val="50000"/>
+              </a:schemeClr>
+            </a:solidFill>
+            <a:headEnd type="none" w="med" len="med"/>
+            <a:tailEnd type="triangle" w="med" len="med"/>
+          </a:ln>
+        </p:spPr>
+        <p:style>
+          <a:lnRef idx="1">
+            <a:schemeClr val="accent1"/>
+          </a:lnRef>
+          <a:fillRef idx="0">
+            <a:schemeClr val="accent1"/>
+          </a:fillRef>
+          <a:effectRef idx="0">
+            <a:schemeClr val="accent1"/>
+          </a:effectRef>
+          <a:fontRef idx="minor">
+            <a:schemeClr val="tx1"/>
+          </a:fontRef>
+        </p:style>
+      </p:cxnSp>
+      <p:cxnSp>
+        <p:nvCxnSpPr>
+          <p:cNvPr id="453" name="Straight Arrow Connector 452"/>
+          <p:cNvCxnSpPr>
+            <a:stCxn id="432" idx="0"/>
+            <a:endCxn id="431" idx="2"/>
+          </p:cNvCxnSpPr>
+          <p:nvPr/>
+        </p:nvCxnSpPr>
+        <p:spPr>
+          <a:xfrm rot="16200000" flipV="1">
+            <a:off x="14576574" y="11584118"/>
+            <a:ext cx="380709" cy="6352"/>
+          </a:xfrm>
+          <a:prstGeom prst="straightConnector1">
+            <a:avLst/>
+          </a:prstGeom>
+          <a:ln w="19050">
+            <a:solidFill>
+              <a:schemeClr val="bg1">
+                <a:lumMod val="50000"/>
+              </a:schemeClr>
+            </a:solidFill>
+            <a:headEnd type="none" w="med" len="med"/>
+            <a:tailEnd type="triangle" w="med" len="med"/>
+          </a:ln>
+        </p:spPr>
+        <p:style>
+          <a:lnRef idx="1">
+            <a:schemeClr val="accent1"/>
+          </a:lnRef>
+          <a:fillRef idx="0">
+            <a:schemeClr val="accent1"/>
+          </a:fillRef>
+          <a:effectRef idx="0">
+            <a:schemeClr val="accent1"/>
+          </a:effectRef>
+          <a:fontRef idx="minor">
+            <a:schemeClr val="tx1"/>
+          </a:fontRef>
+        </p:style>
+      </p:cxnSp>
+      <p:cxnSp>
+        <p:nvCxnSpPr>
+          <p:cNvPr id="456" name="Straight Arrow Connector 455"/>
+          <p:cNvCxnSpPr>
+            <a:stCxn id="429" idx="3"/>
+            <a:endCxn id="430" idx="1"/>
+          </p:cNvCxnSpPr>
+          <p:nvPr/>
+        </p:nvCxnSpPr>
+        <p:spPr>
+          <a:xfrm flipV="1">
+            <a:off x="13300064" y="10048998"/>
+            <a:ext cx="739784" cy="5408"/>
+          </a:xfrm>
+          <a:prstGeom prst="straightConnector1">
+            <a:avLst/>
+          </a:prstGeom>
+          <a:ln w="19050">
+            <a:solidFill>
+              <a:schemeClr val="bg1">
+                <a:lumMod val="50000"/>
+              </a:schemeClr>
+            </a:solidFill>
+            <a:headEnd type="none" w="med" len="med"/>
+            <a:tailEnd type="triangle" w="med" len="med"/>
+          </a:ln>
+        </p:spPr>
+        <p:style>
+          <a:lnRef idx="1">
+            <a:schemeClr val="accent1"/>
+          </a:lnRef>
+          <a:fillRef idx="0">
+            <a:schemeClr val="accent1"/>
+          </a:fillRef>
+          <a:effectRef idx="0">
+            <a:schemeClr val="accent1"/>
+          </a:effectRef>
+          <a:fontRef idx="minor">
+            <a:schemeClr val="tx1"/>
+          </a:fontRef>
+        </p:style>
+      </p:cxnSp>
+      <p:sp>
+        <p:nvSpPr>
+          <p:cNvPr id="460" name="Flowchart: Process 459"/>
+          <p:cNvSpPr/>
+          <p:nvPr/>
+        </p:nvSpPr>
+        <p:spPr>
+          <a:xfrm>
+            <a:off x="13496920" y="8339104"/>
+            <a:ext cx="366711" cy="542928"/>
+          </a:xfrm>
+          <a:prstGeom prst="flowChartProcess">
+            <a:avLst/>
+          </a:prstGeom>
+          <a:solidFill>
+            <a:schemeClr val="bg1"/>
+          </a:solidFill>
+          <a:ln>
+            <a:noFill/>
+          </a:ln>
+        </p:spPr>
+        <p:style>
+          <a:lnRef idx="2">
+            <a:schemeClr val="accent1">
+              <a:shade val="50000"/>
+            </a:schemeClr>
+          </a:lnRef>
+          <a:fillRef idx="1">
+            <a:schemeClr val="accent1"/>
+          </a:fillRef>
+          <a:effectRef idx="0">
+            <a:schemeClr val="accent1"/>
+          </a:effectRef>
+          <a:fontRef idx="minor">
+            <a:schemeClr val="lt1"/>
+          </a:fontRef>
+        </p:style>
+        <p:txBody>
+          <a:bodyPr lIns="91431" tIns="45715" rIns="91431" bIns="45715" rtlCol="0" anchor="ctr"/>
+          <a:lstStyle/>
+          <a:p>
+            <a:pPr algn="ctr"/>
+            <a:r>
+              <a:rPr lang="en-GB" sz="900" dirty="0" smtClean="0">
+                <a:solidFill>
+                  <a:schemeClr val="bg1">
+                    <a:lumMod val="50000"/>
+                  </a:schemeClr>
+                </a:solidFill>
+              </a:rPr>
+              <a:t>Yes</a:t>
+            </a:r>
+            <a:endParaRPr lang="en-GB" sz="900" dirty="0">
+              <a:solidFill>
+                <a:schemeClr val="bg1">
+                  <a:lumMod val="50000"/>
+                </a:schemeClr>
+              </a:solidFill>
+            </a:endParaRPr>
+          </a:p>
+        </p:txBody>
+      </p:sp>
+      <p:sp>
+        <p:nvSpPr>
+          <p:cNvPr id="461" name="Flowchart: Process 460"/>
+          <p:cNvSpPr/>
+          <p:nvPr/>
+        </p:nvSpPr>
+        <p:spPr>
+          <a:xfrm>
+            <a:off x="13496920" y="9786912"/>
+            <a:ext cx="366711" cy="542928"/>
+          </a:xfrm>
+          <a:prstGeom prst="flowChartProcess">
+            <a:avLst/>
+          </a:prstGeom>
+          <a:solidFill>
+            <a:schemeClr val="bg1"/>
+          </a:solidFill>
+          <a:ln>
+            <a:noFill/>
+          </a:ln>
+        </p:spPr>
+        <p:style>
+          <a:lnRef idx="2">
+            <a:schemeClr val="accent1">
+              <a:shade val="50000"/>
+            </a:schemeClr>
+          </a:lnRef>
+          <a:fillRef idx="1">
+            <a:schemeClr val="accent1"/>
+          </a:fillRef>
+          <a:effectRef idx="0">
+            <a:schemeClr val="accent1"/>
+          </a:effectRef>
+          <a:fontRef idx="minor">
+            <a:schemeClr val="lt1"/>
+          </a:fontRef>
+        </p:style>
+        <p:txBody>
+          <a:bodyPr lIns="91431" tIns="45715" rIns="91431" bIns="45715" rtlCol="0" anchor="ctr"/>
+          <a:lstStyle/>
+          <a:p>
+            <a:pPr algn="ctr"/>
+            <a:r>
+              <a:rPr lang="en-GB" sz="900" dirty="0" smtClean="0">
+                <a:solidFill>
+                  <a:schemeClr val="bg1">
+                    <a:lumMod val="50000"/>
+                  </a:schemeClr>
+                </a:solidFill>
+              </a:rPr>
+              <a:t>No</a:t>
+            </a:r>
+            <a:endParaRPr lang="en-GB" sz="900" dirty="0">
+              <a:solidFill>
+                <a:schemeClr val="bg1">
+                  <a:lumMod val="50000"/>
+                </a:schemeClr>
+              </a:solidFill>
+            </a:endParaRPr>
+          </a:p>
+        </p:txBody>
+      </p:sp>
+      <p:sp>
+        <p:nvSpPr>
+          <p:cNvPr id="462" name="Flowchart: Process 461"/>
+          <p:cNvSpPr/>
+          <p:nvPr/>
+        </p:nvSpPr>
+        <p:spPr>
+          <a:xfrm>
+            <a:off x="12230088" y="10601304"/>
+            <a:ext cx="366711" cy="271465"/>
+          </a:xfrm>
+          <a:prstGeom prst="flowChartProcess">
+            <a:avLst/>
+          </a:prstGeom>
+          <a:solidFill>
+            <a:schemeClr val="bg1"/>
+          </a:solidFill>
+          <a:ln>
+            <a:noFill/>
+          </a:ln>
+        </p:spPr>
+        <p:style>
+          <a:lnRef idx="2">
+            <a:schemeClr val="accent1">
+              <a:shade val="50000"/>
+            </a:schemeClr>
+          </a:lnRef>
+          <a:fillRef idx="1">
+            <a:schemeClr val="accent1"/>
+          </a:fillRef>
+          <a:effectRef idx="0">
+            <a:schemeClr val="accent1"/>
+          </a:effectRef>
+          <a:fontRef idx="minor">
+            <a:schemeClr val="lt1"/>
+          </a:fontRef>
+        </p:style>
+        <p:txBody>
+          <a:bodyPr lIns="91431" tIns="45715" rIns="91431" bIns="45715" rtlCol="0" anchor="ctr"/>
+          <a:lstStyle/>
+          <a:p>
+            <a:pPr algn="ctr"/>
+            <a:r>
+              <a:rPr lang="en-GB" sz="900" dirty="0" smtClean="0">
+                <a:solidFill>
+                  <a:schemeClr val="bg1">
+                    <a:lumMod val="50000"/>
+                  </a:schemeClr>
+                </a:solidFill>
+              </a:rPr>
+              <a:t>Yes</a:t>
+            </a:r>
+            <a:endParaRPr lang="en-GB" sz="900" dirty="0">
+              <a:solidFill>
+                <a:schemeClr val="bg1">
+                  <a:lumMod val="50000"/>
+                </a:schemeClr>
+              </a:solidFill>
+            </a:endParaRPr>
+          </a:p>
+        </p:txBody>
+      </p:sp>
+      <p:sp>
+        <p:nvSpPr>
+          <p:cNvPr id="463" name="Flowchart: Process 462"/>
+          <p:cNvSpPr/>
+          <p:nvPr/>
+        </p:nvSpPr>
+        <p:spPr>
+          <a:xfrm>
+            <a:off x="12230088" y="9153496"/>
+            <a:ext cx="366711" cy="271465"/>
+          </a:xfrm>
+          <a:prstGeom prst="flowChartProcess">
+            <a:avLst/>
+          </a:prstGeom>
+          <a:solidFill>
+            <a:schemeClr val="bg1"/>
+          </a:solidFill>
+          <a:ln>
+            <a:noFill/>
+          </a:ln>
+        </p:spPr>
+        <p:style>
+          <a:lnRef idx="2">
+            <a:schemeClr val="accent1">
+              <a:shade val="50000"/>
+            </a:schemeClr>
+          </a:lnRef>
+          <a:fillRef idx="1">
+            <a:schemeClr val="accent1"/>
+          </a:fillRef>
+          <a:effectRef idx="0">
+            <a:schemeClr val="accent1"/>
+          </a:effectRef>
+          <a:fontRef idx="minor">
+            <a:schemeClr val="lt1"/>
+          </a:fontRef>
+        </p:style>
+        <p:txBody>
+          <a:bodyPr lIns="91431" tIns="45715" rIns="91431" bIns="45715" rtlCol="0" anchor="ctr"/>
+          <a:lstStyle/>
+          <a:p>
+            <a:pPr algn="ctr"/>
+            <a:r>
+              <a:rPr lang="en-GB" sz="900" dirty="0" smtClean="0">
+                <a:solidFill>
+                  <a:schemeClr val="bg1">
+                    <a:lumMod val="50000"/>
+                  </a:schemeClr>
+                </a:solidFill>
+              </a:rPr>
+              <a:t>No</a:t>
+            </a:r>
+          </a:p>
+        </p:txBody>
+      </p:sp>
+      <p:sp>
+        <p:nvSpPr>
+          <p:cNvPr id="464" name="Flowchart: Process 463"/>
+          <p:cNvSpPr/>
+          <p:nvPr/>
+        </p:nvSpPr>
+        <p:spPr>
+          <a:xfrm>
+            <a:off x="11144232" y="7253248"/>
+            <a:ext cx="4614888" cy="5257840"/>
+          </a:xfrm>
+          <a:prstGeom prst="flowChartProcess">
+            <a:avLst/>
+          </a:prstGeom>
+          <a:noFill/>
+          <a:ln>
+            <a:solidFill>
+              <a:schemeClr val="bg1">
+                <a:lumMod val="75000"/>
+              </a:schemeClr>
+            </a:solidFill>
+            <a:prstDash val="dash"/>
+          </a:ln>
+        </p:spPr>
+        <p:style>
+          <a:lnRef idx="2">
+            <a:schemeClr val="accent1">
+              <a:shade val="50000"/>
+            </a:schemeClr>
+          </a:lnRef>
+          <a:fillRef idx="1">
+            <a:schemeClr val="accent1"/>
+          </a:fillRef>
+          <a:effectRef idx="0">
+            <a:schemeClr val="accent1"/>
+          </a:effectRef>
+          <a:fontRef idx="minor">
+            <a:schemeClr val="lt1"/>
+          </a:fontRef>
+        </p:style>
+        <p:txBody>
+          <a:bodyPr rtlCol="0" anchor="ctr"/>
+          <a:lstStyle/>
+          <a:p>
+            <a:pPr algn="ctr"/>
+            <a:endParaRPr lang="en-GB"/>
+          </a:p>
+        </p:txBody>
+      </p:sp>
+      <p:sp>
+        <p:nvSpPr>
+          <p:cNvPr id="465" name="Flowchart: Process 464"/>
+          <p:cNvSpPr/>
+          <p:nvPr/>
+        </p:nvSpPr>
+        <p:spPr>
+          <a:xfrm>
+            <a:off x="13496920" y="7162760"/>
+            <a:ext cx="1809760" cy="468349"/>
+          </a:xfrm>
+          <a:prstGeom prst="flowChartProcess">
+            <a:avLst/>
+          </a:prstGeom>
+          <a:solidFill>
+            <a:schemeClr val="bg1"/>
+          </a:solidFill>
+          <a:ln>
+            <a:noFill/>
+          </a:ln>
+        </p:spPr>
+        <p:style>
+          <a:lnRef idx="2">
+            <a:schemeClr val="accent1">
+              <a:shade val="50000"/>
+            </a:schemeClr>
+          </a:lnRef>
+          <a:fillRef idx="1">
+            <a:schemeClr val="accent1"/>
+          </a:fillRef>
+          <a:effectRef idx="0">
+            <a:schemeClr val="accent1"/>
+          </a:effectRef>
+          <a:fontRef idx="minor">
+            <a:schemeClr val="lt1"/>
+          </a:fontRef>
+        </p:style>
+        <p:txBody>
+          <a:bodyPr lIns="91431" tIns="45715" rIns="91431" bIns="45715" rtlCol="0" anchor="ctr"/>
+          <a:lstStyle/>
+          <a:p>
+            <a:r>
+              <a:rPr lang="en-GB" sz="2000" dirty="0" smtClean="0">
+                <a:solidFill>
+                  <a:schemeClr val="bg1">
+                    <a:lumMod val="50000"/>
+                  </a:schemeClr>
+                </a:solidFill>
+              </a:rPr>
+              <a:t>Task schedule</a:t>
+            </a:r>
+            <a:endParaRPr lang="en-GB" sz="900" dirty="0">
+              <a:solidFill>
+                <a:schemeClr val="bg1">
+                  <a:lumMod val="50000"/>
+                </a:schemeClr>
+              </a:solidFill>
+            </a:endParaRPr>
+          </a:p>
+        </p:txBody>
+      </p:sp>
     </p:spTree>
   </p:cSld>
   <p:clrMapOvr>
